--- a/ppt/principle4.pptx
+++ b/ppt/principle4.pptx
@@ -5,14 +5,23 @@
     <p:sldMasterId id="2147483648" r:id="rId1"/>
   </p:sldMasterIdLst>
   <p:notesMasterIdLst>
-    <p:notesMasterId r:id="rId4"/>
+    <p:notesMasterId r:id="rId13"/>
   </p:notesMasterIdLst>
   <p:handoutMasterIdLst>
-    <p:handoutMasterId r:id="rId5"/>
+    <p:handoutMasterId r:id="rId14"/>
   </p:handoutMasterIdLst>
   <p:sldIdLst>
     <p:sldId id="259" r:id="rId2"/>
-    <p:sldId id="315" r:id="rId3"/>
+    <p:sldId id="317" r:id="rId3"/>
+    <p:sldId id="318" r:id="rId4"/>
+    <p:sldId id="319" r:id="rId5"/>
+    <p:sldId id="320" r:id="rId6"/>
+    <p:sldId id="316" r:id="rId7"/>
+    <p:sldId id="315" r:id="rId8"/>
+    <p:sldId id="324" r:id="rId9"/>
+    <p:sldId id="322" r:id="rId10"/>
+    <p:sldId id="321" r:id="rId11"/>
+    <p:sldId id="323" r:id="rId12"/>
   </p:sldIdLst>
   <p:sldSz cx="9144000" cy="6858000" type="screen4x3"/>
   <p:notesSz cx="6858000" cy="9144000"/>
@@ -117,7 +126,16 @@
         <p14:section name="Default Section" id="{779CC93D-E52E-4D84-901B-11D7331DD495}">
           <p14:sldIdLst>
             <p14:sldId id="259"/>
+            <p14:sldId id="317"/>
+            <p14:sldId id="318"/>
+            <p14:sldId id="319"/>
+            <p14:sldId id="320"/>
+            <p14:sldId id="316"/>
             <p14:sldId id="315"/>
+            <p14:sldId id="324"/>
+            <p14:sldId id="322"/>
+            <p14:sldId id="321"/>
+            <p14:sldId id="323"/>
           </p14:sldIdLst>
         </p14:section>
         <p14:section name="Appendix" id="{3F78B471-41DA-46F2-A8E4-97E471896AB3}">
@@ -212,7 +230,7 @@
             <a:fld id="{D83FDC75-7F73-4A4A-A77C-09AADF00E0EA}" type="datetimeFigureOut">
               <a:rPr lang="en-US" smtClean="0"/>
               <a:pPr/>
-              <a:t>11/16/2013</a:t>
+              <a:t>11/20/2013</a:t>
             </a:fld>
             <a:endParaRPr lang="en-US" dirty="0"/>
           </a:p>
@@ -380,7 +398,7 @@
             <a:fld id="{48AEF76B-3757-4A0B-AF93-28494465C1DD}" type="datetimeFigureOut">
               <a:rPr lang="en-US" smtClean="0"/>
               <a:pPr/>
-              <a:t>11/16/2013</a:t>
+              <a:t>11/20/2013</a:t>
             </a:fld>
             <a:endParaRPr lang="en-US" dirty="0"/>
           </a:p>
@@ -696,173 +714,6 @@
           </a:bodyPr>
           <a:lstStyle/>
           <a:p>
-            <a:pPr marL="0" marR="0" indent="0" algn="l" defTabSz="914400" rtl="0" eaLnBrk="1" fontAlgn="auto" latinLnBrk="0" hangingPunct="1">
-              <a:lnSpc>
-                <a:spcPct val="100000"/>
-              </a:lnSpc>
-              <a:spcBef>
-                <a:spcPts val="0"/>
-              </a:spcBef>
-              <a:spcAft>
-                <a:spcPts val="0"/>
-              </a:spcAft>
-              <a:buClrTx/>
-              <a:buSzTx/>
-              <a:buFontTx/>
-              <a:buNone/>
-              <a:tabLst/>
-              <a:defRPr/>
-            </a:pPr>
-            <a:r>
-              <a:rPr lang="en-US" dirty="0" smtClean="0"/>
-              <a:t>This template can be used as a starter file for presenting training materials in a group setting.</a:t>
-            </a:r>
-          </a:p>
-          <a:p>
-            <a:endParaRPr lang="en-US" dirty="0" smtClean="0"/>
-          </a:p>
-          <a:p>
-            <a:pPr lvl="0"/>
-            <a:r>
-              <a:rPr lang="en-US" sz="1200" b="1" dirty="0" smtClean="0"/>
-              <a:t>Sections</a:t>
-            </a:r>
-            <a:endParaRPr lang="en-US" sz="1200" b="0" dirty="0" smtClean="0"/>
-          </a:p>
-          <a:p>
-            <a:pPr lvl="0"/>
-            <a:r>
-              <a:rPr lang="en-US" sz="1200" b="0" dirty="0" smtClean="0"/>
-              <a:t>Right-click on a slide to add sections.</a:t>
-            </a:r>
-            <a:r>
-              <a:rPr lang="en-US" sz="1200" b="0" baseline="0" dirty="0" smtClean="0"/>
-              <a:t> Sections can help to organize your slides or facilitate collaboration between multiple authors.</a:t>
-            </a:r>
-            <a:endParaRPr lang="en-US" sz="1200" b="0" dirty="0" smtClean="0"/>
-          </a:p>
-          <a:p>
-            <a:pPr lvl="0"/>
-            <a:endParaRPr lang="en-US" sz="1200" b="1" dirty="0" smtClean="0"/>
-          </a:p>
-          <a:p>
-            <a:pPr lvl="0"/>
-            <a:r>
-              <a:rPr lang="en-US" sz="1200" b="1" dirty="0" smtClean="0"/>
-              <a:t>Notes</a:t>
-            </a:r>
-          </a:p>
-          <a:p>
-            <a:pPr lvl="0"/>
-            <a:r>
-              <a:rPr lang="en-US" sz="1200" dirty="0" smtClean="0"/>
-              <a:t>Use the Notes section for delivery notes or to provide additional details for the audience.</a:t>
-            </a:r>
-            <a:r>
-              <a:rPr lang="en-US" sz="1200" baseline="0" dirty="0" smtClean="0"/>
-              <a:t> View these notes in Presentation View during your presentation. </a:t>
-            </a:r>
-          </a:p>
-          <a:p>
-            <a:pPr lvl="0">
-              <a:buFontTx/>
-              <a:buNone/>
-            </a:pPr>
-            <a:r>
-              <a:rPr lang="en-US" sz="1200" dirty="0" smtClean="0"/>
-              <a:t>Keep in mind the font size (important for accessibility, visibility, videotaping, and online production)</a:t>
-            </a:r>
-          </a:p>
-          <a:p>
-            <a:pPr lvl="0"/>
-            <a:endParaRPr lang="en-US" sz="1200" dirty="0" smtClean="0"/>
-          </a:p>
-          <a:p>
-            <a:pPr lvl="0">
-              <a:buFontTx/>
-              <a:buNone/>
-            </a:pPr>
-            <a:r>
-              <a:rPr lang="en-US" sz="1200" b="1" dirty="0" smtClean="0"/>
-              <a:t>Coordinated colors </a:t>
-            </a:r>
-          </a:p>
-          <a:p>
-            <a:pPr lvl="0">
-              <a:buFontTx/>
-              <a:buNone/>
-            </a:pPr>
-            <a:r>
-              <a:rPr lang="en-US" sz="1200" dirty="0" smtClean="0"/>
-              <a:t>Pay particular attention to the graphs, charts, and text boxes.</a:t>
-            </a:r>
-            <a:r>
-              <a:rPr lang="en-US" sz="1200" baseline="0" dirty="0" smtClean="0"/>
-              <a:t> </a:t>
-            </a:r>
-            <a:endParaRPr lang="en-US" sz="1200" dirty="0" smtClean="0"/>
-          </a:p>
-          <a:p>
-            <a:pPr lvl="0"/>
-            <a:r>
-              <a:rPr lang="en-US" sz="1200" dirty="0" smtClean="0"/>
-              <a:t>Consider that attendees will print in black and white or </a:t>
-            </a:r>
-            <a:r>
-              <a:rPr lang="en-US" sz="1200" dirty="0" err="1" smtClean="0"/>
-              <a:t>grayscale</a:t>
-            </a:r>
-            <a:r>
-              <a:rPr lang="en-US" sz="1200" dirty="0" smtClean="0"/>
-              <a:t>. Run a test print to make sure your colors work when printed in pure black and white and </a:t>
-            </a:r>
-            <a:r>
-              <a:rPr lang="en-US" sz="1200" dirty="0" err="1" smtClean="0"/>
-              <a:t>grayscale</a:t>
-            </a:r>
-            <a:r>
-              <a:rPr lang="en-US" sz="1200" dirty="0" smtClean="0"/>
-              <a:t>.</a:t>
-            </a:r>
-          </a:p>
-          <a:p>
-            <a:pPr lvl="0">
-              <a:buFontTx/>
-              <a:buNone/>
-            </a:pPr>
-            <a:endParaRPr lang="en-US" sz="1200" dirty="0" smtClean="0"/>
-          </a:p>
-          <a:p>
-            <a:pPr lvl="0">
-              <a:buFontTx/>
-              <a:buNone/>
-            </a:pPr>
-            <a:r>
-              <a:rPr lang="en-US" sz="1200" b="1" dirty="0" smtClean="0"/>
-              <a:t>Graphics, tables, and graphs</a:t>
-            </a:r>
-          </a:p>
-          <a:p>
-            <a:pPr lvl="0"/>
-            <a:r>
-              <a:rPr lang="en-US" sz="1200" dirty="0" smtClean="0"/>
-              <a:t>Keep it simple: If possible, use consistent, non-distracting styles and colors.</a:t>
-            </a:r>
-          </a:p>
-          <a:p>
-            <a:pPr lvl="0"/>
-            <a:r>
-              <a:rPr lang="en-US" sz="1200" dirty="0" smtClean="0"/>
-              <a:t>Label all graphs and tables.</a:t>
-            </a:r>
-          </a:p>
-          <a:p>
-            <a:endParaRPr lang="en-US" dirty="0" smtClean="0"/>
-          </a:p>
-          <a:p>
-            <a:endParaRPr lang="en-US" dirty="0" smtClean="0"/>
-          </a:p>
-          <a:p>
             <a:endParaRPr lang="en-US" dirty="0"/>
           </a:p>
         </p:txBody>
@@ -888,6 +739,243 @@
               <a:t>1</a:t>
             </a:fld>
             <a:endParaRPr lang="en-US"/>
+          </a:p>
+        </p:txBody>
+      </p:sp>
+    </p:spTree>
+  </p:cSld>
+  <p:clrMapOvr>
+    <a:masterClrMapping/>
+  </p:clrMapOvr>
+</p:notes>
+</file>
+
+<file path=ppt/notesSlides/notesSlide10.xml><?xml version="1.0" encoding="utf-8"?>
+<p:notes xmlns:a="http://schemas.openxmlformats.org/drawingml/2006/main" xmlns:r="http://schemas.openxmlformats.org/officeDocument/2006/relationships" xmlns:p="http://schemas.openxmlformats.org/presentationml/2006/main">
+  <p:cSld>
+    <p:spTree>
+      <p:nvGrpSpPr>
+        <p:cNvPr id="1" name=""/>
+        <p:cNvGrpSpPr/>
+        <p:nvPr/>
+      </p:nvGrpSpPr>
+      <p:grpSpPr>
+        <a:xfrm>
+          <a:off x="0" y="0"/>
+          <a:ext cx="0" cy="0"/>
+          <a:chOff x="0" y="0"/>
+          <a:chExt cx="0" cy="0"/>
+        </a:xfrm>
+      </p:grpSpPr>
+      <p:sp>
+        <p:nvSpPr>
+          <p:cNvPr id="2" name="Slide Image Placeholder 1"/>
+          <p:cNvSpPr>
+            <a:spLocks noGrp="1" noRot="1" noChangeAspect="1"/>
+          </p:cNvSpPr>
+          <p:nvPr>
+            <p:ph type="sldImg"/>
+          </p:nvPr>
+        </p:nvSpPr>
+        <p:spPr/>
+      </p:sp>
+      <p:sp>
+        <p:nvSpPr>
+          <p:cNvPr id="3" name="Notes Placeholder 2"/>
+          <p:cNvSpPr>
+            <a:spLocks noGrp="1"/>
+          </p:cNvSpPr>
+          <p:nvPr>
+            <p:ph type="body" idx="1"/>
+          </p:nvPr>
+        </p:nvSpPr>
+        <p:spPr/>
+        <p:txBody>
+          <a:bodyPr/>
+          <a:lstStyle/>
+          <a:p>
+            <a:endParaRPr lang="en-US" dirty="0"/>
+          </a:p>
+        </p:txBody>
+      </p:sp>
+      <p:sp>
+        <p:nvSpPr>
+          <p:cNvPr id="4" name="Slide Number Placeholder 3"/>
+          <p:cNvSpPr>
+            <a:spLocks noGrp="1"/>
+          </p:cNvSpPr>
+          <p:nvPr>
+            <p:ph type="sldNum" sz="quarter" idx="10"/>
+          </p:nvPr>
+        </p:nvSpPr>
+        <p:spPr/>
+        <p:txBody>
+          <a:bodyPr/>
+          <a:lstStyle/>
+          <a:p>
+            <a:fld id="{75693FD4-8F83-4EF7-AC3F-0DC0388986B0}" type="slidenum">
+              <a:rPr lang="en-US" smtClean="0"/>
+              <a:pPr/>
+              <a:t>10</a:t>
+            </a:fld>
+            <a:endParaRPr lang="en-US" dirty="0"/>
+          </a:p>
+        </p:txBody>
+      </p:sp>
+    </p:spTree>
+    <p:extLst>
+      <p:ext uri="{BB962C8B-B14F-4D97-AF65-F5344CB8AC3E}">
+        <p14:creationId xmlns:p14="http://schemas.microsoft.com/office/powerpoint/2010/main" val="1411013462"/>
+      </p:ext>
+    </p:extLst>
+  </p:cSld>
+  <p:clrMapOvr>
+    <a:masterClrMapping/>
+  </p:clrMapOvr>
+</p:notes>
+</file>
+
+<file path=ppt/notesSlides/notesSlide11.xml><?xml version="1.0" encoding="utf-8"?>
+<p:notes xmlns:a="http://schemas.openxmlformats.org/drawingml/2006/main" xmlns:r="http://schemas.openxmlformats.org/officeDocument/2006/relationships" xmlns:p="http://schemas.openxmlformats.org/presentationml/2006/main">
+  <p:cSld>
+    <p:spTree>
+      <p:nvGrpSpPr>
+        <p:cNvPr id="1" name=""/>
+        <p:cNvGrpSpPr/>
+        <p:nvPr/>
+      </p:nvGrpSpPr>
+      <p:grpSpPr>
+        <a:xfrm>
+          <a:off x="0" y="0"/>
+          <a:ext cx="0" cy="0"/>
+          <a:chOff x="0" y="0"/>
+          <a:chExt cx="0" cy="0"/>
+        </a:xfrm>
+      </p:grpSpPr>
+      <p:sp>
+        <p:nvSpPr>
+          <p:cNvPr id="41986" name="Rectangle 23"/>
+          <p:cNvSpPr>
+            <a:spLocks noGrp="1" noChangeArrowheads="1"/>
+          </p:cNvSpPr>
+          <p:nvPr>
+            <p:ph type="hdr" sz="quarter"/>
+          </p:nvPr>
+        </p:nvSpPr>
+        <p:spPr>
+          <a:noFill/>
+        </p:spPr>
+        <p:txBody>
+          <a:bodyPr/>
+          <a:lstStyle/>
+          <a:p>
+            <a:r>
+              <a:rPr lang="en-US" dirty="0" smtClean="0"/>
+              <a:t>Microsoft </a:t>
+            </a:r>
+            <a:r>
+              <a:rPr lang="en-US" b="1" dirty="0" smtClean="0"/>
+              <a:t>Engineering Excellence</a:t>
+            </a:r>
+            <a:endParaRPr lang="en-US" dirty="0" smtClean="0"/>
+          </a:p>
+        </p:txBody>
+      </p:sp>
+      <p:sp>
+        <p:nvSpPr>
+          <p:cNvPr id="41987" name="Rectangle 25"/>
+          <p:cNvSpPr>
+            <a:spLocks noGrp="1" noChangeArrowheads="1"/>
+          </p:cNvSpPr>
+          <p:nvPr>
+            <p:ph type="ftr" sz="quarter" idx="4"/>
+          </p:nvPr>
+        </p:nvSpPr>
+        <p:spPr>
+          <a:noFill/>
+        </p:spPr>
+        <p:txBody>
+          <a:bodyPr/>
+          <a:lstStyle/>
+          <a:p>
+            <a:r>
+              <a:rPr lang="en-US" dirty="0" smtClean="0"/>
+              <a:t>Microsoft Confidential</a:t>
+            </a:r>
+          </a:p>
+        </p:txBody>
+      </p:sp>
+      <p:sp>
+        <p:nvSpPr>
+          <p:cNvPr id="41988" name="Rectangle 26"/>
+          <p:cNvSpPr>
+            <a:spLocks noGrp="1" noChangeArrowheads="1"/>
+          </p:cNvSpPr>
+          <p:nvPr>
+            <p:ph type="sldNum" sz="quarter" idx="5"/>
+          </p:nvPr>
+        </p:nvSpPr>
+        <p:spPr>
+          <a:noFill/>
+        </p:spPr>
+        <p:txBody>
+          <a:bodyPr/>
+          <a:lstStyle/>
+          <a:p>
+            <a:fld id="{B2B44A5F-6CE4-493C-A0D7-6834FF76660C}" type="slidenum">
+              <a:rPr lang="en-US" smtClean="0"/>
+              <a:pPr/>
+              <a:t>11</a:t>
+            </a:fld>
+            <a:endParaRPr lang="en-US" dirty="0" smtClean="0"/>
+          </a:p>
+        </p:txBody>
+      </p:sp>
+      <p:sp>
+        <p:nvSpPr>
+          <p:cNvPr id="41989" name="Rectangle 2"/>
+          <p:cNvSpPr>
+            <a:spLocks noGrp="1" noRot="1" noChangeAspect="1" noChangeArrowheads="1" noTextEdit="1"/>
+          </p:cNvSpPr>
+          <p:nvPr>
+            <p:ph type="sldImg"/>
+          </p:nvPr>
+        </p:nvSpPr>
+        <p:spPr>
+          <a:xfrm>
+            <a:off x="1143000" y="450850"/>
+            <a:ext cx="4572000" cy="3429000"/>
+          </a:xfrm>
+          <a:ln/>
+        </p:spPr>
+      </p:sp>
+      <p:sp>
+        <p:nvSpPr>
+          <p:cNvPr id="41990" name="Rectangle 3"/>
+          <p:cNvSpPr>
+            <a:spLocks noGrp="1" noChangeArrowheads="1"/>
+          </p:cNvSpPr>
+          <p:nvPr>
+            <p:ph type="body" idx="1"/>
+          </p:nvPr>
+        </p:nvSpPr>
+        <p:spPr>
+          <a:xfrm>
+            <a:off x="307492" y="4130104"/>
+            <a:ext cx="6261652" cy="4554823"/>
+          </a:xfrm>
+          <a:noFill/>
+          <a:ln/>
+        </p:spPr>
+        <p:txBody>
+          <a:bodyPr/>
+          <a:lstStyle/>
+          <a:p>
+            <a:pPr>
+              <a:buFontTx/>
+              <a:buNone/>
+            </a:pPr>
+            <a:endParaRPr lang="en-US" dirty="0" smtClean="0"/>
           </a:p>
         </p:txBody>
       </p:sp>
@@ -943,72 +1031,6 @@
           <a:bodyPr/>
           <a:lstStyle/>
           <a:p>
-            <a:r>
-              <a:rPr lang="en-US" dirty="0" smtClean="0"/>
-              <a:t>4.1.1</a:t>
-            </a:r>
-            <a:r>
-              <a:rPr lang="en-US" baseline="0" dirty="0" smtClean="0"/>
-              <a:t> Make sure the web pages are validated and parsed to avoid ambiguities that often result from code that does not validate against formal specifications</a:t>
-            </a:r>
-          </a:p>
-          <a:p>
-            <a:r>
-              <a:rPr lang="en-US" sz="1200" kern="1200" dirty="0" smtClean="0">
-                <a:solidFill>
-                  <a:schemeClr val="tx1"/>
-                </a:solidFill>
-                <a:latin typeface="+mn-lt"/>
-                <a:ea typeface="+mn-ea"/>
-                <a:cs typeface="+mn-cs"/>
-              </a:rPr>
-              <a:t>Validation will usually eliminate ambiguities (and more) because an essential step in validation is to check for proper use of that technology's markup (in a markup language). </a:t>
-            </a:r>
-          </a:p>
-          <a:p>
-            <a:endParaRPr lang="en-US" sz="1200" kern="1200" dirty="0" smtClean="0">
-              <a:solidFill>
-                <a:schemeClr val="tx1"/>
-              </a:solidFill>
-              <a:latin typeface="+mn-lt"/>
-              <a:ea typeface="+mn-ea"/>
-              <a:cs typeface="+mn-cs"/>
-            </a:endParaRPr>
-          </a:p>
-          <a:p>
-            <a:r>
-              <a:rPr lang="en-US" sz="1200" kern="1200" dirty="0" smtClean="0">
-                <a:solidFill>
-                  <a:schemeClr val="tx1"/>
-                </a:solidFill>
-                <a:latin typeface="+mn-lt"/>
-                <a:ea typeface="+mn-ea"/>
-                <a:cs typeface="+mn-cs"/>
-              </a:rPr>
-              <a:t>Example : !DOCTYPE declaration</a:t>
-            </a:r>
-            <a:r>
-              <a:rPr lang="en-US" sz="1200" kern="1200" baseline="0" dirty="0" smtClean="0">
-                <a:solidFill>
-                  <a:schemeClr val="tx1"/>
-                </a:solidFill>
-                <a:latin typeface="+mn-lt"/>
-                <a:ea typeface="+mn-ea"/>
-                <a:cs typeface="+mn-cs"/>
-              </a:rPr>
-              <a:t> in HTML files, DTD or any XML Schema for XML files, there is an apache ant utility to validate a batch of XML files. HTML tidy can be used to fix common errors found in </a:t>
-            </a:r>
-            <a:r>
-              <a:rPr lang="en-US" sz="1200" kern="1200" baseline="0" smtClean="0">
-                <a:solidFill>
-                  <a:schemeClr val="tx1"/>
-                </a:solidFill>
-                <a:latin typeface="+mn-lt"/>
-                <a:ea typeface="+mn-ea"/>
-                <a:cs typeface="+mn-cs"/>
-              </a:rPr>
-              <a:t>HTML files</a:t>
-            </a:r>
             <a:endParaRPr lang="en-US" dirty="0"/>
           </a:p>
         </p:txBody>
@@ -1043,6 +1065,595 @@
         <p14:creationId xmlns:p14="http://schemas.microsoft.com/office/powerpoint/2010/main" val="1411013462"/>
       </p:ext>
     </p:extLst>
+  </p:cSld>
+  <p:clrMapOvr>
+    <a:masterClrMapping/>
+  </p:clrMapOvr>
+</p:notes>
+</file>
+
+<file path=ppt/notesSlides/notesSlide3.xml><?xml version="1.0" encoding="utf-8"?>
+<p:notes xmlns:a="http://schemas.openxmlformats.org/drawingml/2006/main" xmlns:r="http://schemas.openxmlformats.org/officeDocument/2006/relationships" xmlns:p="http://schemas.openxmlformats.org/presentationml/2006/main">
+  <p:cSld>
+    <p:spTree>
+      <p:nvGrpSpPr>
+        <p:cNvPr id="1" name=""/>
+        <p:cNvGrpSpPr/>
+        <p:nvPr/>
+      </p:nvGrpSpPr>
+      <p:grpSpPr>
+        <a:xfrm>
+          <a:off x="0" y="0"/>
+          <a:ext cx="0" cy="0"/>
+          <a:chOff x="0" y="0"/>
+          <a:chExt cx="0" cy="0"/>
+        </a:xfrm>
+      </p:grpSpPr>
+      <p:sp>
+        <p:nvSpPr>
+          <p:cNvPr id="2" name="Slide Image Placeholder 1"/>
+          <p:cNvSpPr>
+            <a:spLocks noGrp="1" noRot="1" noChangeAspect="1"/>
+          </p:cNvSpPr>
+          <p:nvPr>
+            <p:ph type="sldImg"/>
+          </p:nvPr>
+        </p:nvSpPr>
+        <p:spPr/>
+      </p:sp>
+      <p:sp>
+        <p:nvSpPr>
+          <p:cNvPr id="3" name="Notes Placeholder 2"/>
+          <p:cNvSpPr>
+            <a:spLocks noGrp="1"/>
+          </p:cNvSpPr>
+          <p:nvPr>
+            <p:ph type="body" idx="1"/>
+          </p:nvPr>
+        </p:nvSpPr>
+        <p:spPr/>
+        <p:txBody>
+          <a:bodyPr/>
+          <a:lstStyle/>
+          <a:p>
+            <a:endParaRPr lang="en-US" dirty="0"/>
+          </a:p>
+        </p:txBody>
+      </p:sp>
+      <p:sp>
+        <p:nvSpPr>
+          <p:cNvPr id="4" name="Slide Number Placeholder 3"/>
+          <p:cNvSpPr>
+            <a:spLocks noGrp="1"/>
+          </p:cNvSpPr>
+          <p:nvPr>
+            <p:ph type="sldNum" sz="quarter" idx="10"/>
+          </p:nvPr>
+        </p:nvSpPr>
+        <p:spPr/>
+        <p:txBody>
+          <a:bodyPr/>
+          <a:lstStyle/>
+          <a:p>
+            <a:fld id="{75693FD4-8F83-4EF7-AC3F-0DC0388986B0}" type="slidenum">
+              <a:rPr lang="en-US" smtClean="0"/>
+              <a:pPr/>
+              <a:t>3</a:t>
+            </a:fld>
+            <a:endParaRPr lang="en-US" dirty="0"/>
+          </a:p>
+        </p:txBody>
+      </p:sp>
+    </p:spTree>
+    <p:extLst>
+      <p:ext uri="{BB962C8B-B14F-4D97-AF65-F5344CB8AC3E}">
+        <p14:creationId xmlns:p14="http://schemas.microsoft.com/office/powerpoint/2010/main" val="1411013462"/>
+      </p:ext>
+    </p:extLst>
+  </p:cSld>
+  <p:clrMapOvr>
+    <a:masterClrMapping/>
+  </p:clrMapOvr>
+</p:notes>
+</file>
+
+<file path=ppt/notesSlides/notesSlide4.xml><?xml version="1.0" encoding="utf-8"?>
+<p:notes xmlns:a="http://schemas.openxmlformats.org/drawingml/2006/main" xmlns:r="http://schemas.openxmlformats.org/officeDocument/2006/relationships" xmlns:p="http://schemas.openxmlformats.org/presentationml/2006/main">
+  <p:cSld>
+    <p:spTree>
+      <p:nvGrpSpPr>
+        <p:cNvPr id="1" name=""/>
+        <p:cNvGrpSpPr/>
+        <p:nvPr/>
+      </p:nvGrpSpPr>
+      <p:grpSpPr>
+        <a:xfrm>
+          <a:off x="0" y="0"/>
+          <a:ext cx="0" cy="0"/>
+          <a:chOff x="0" y="0"/>
+          <a:chExt cx="0" cy="0"/>
+        </a:xfrm>
+      </p:grpSpPr>
+      <p:sp>
+        <p:nvSpPr>
+          <p:cNvPr id="2" name="Slide Image Placeholder 1"/>
+          <p:cNvSpPr>
+            <a:spLocks noGrp="1" noRot="1" noChangeAspect="1"/>
+          </p:cNvSpPr>
+          <p:nvPr>
+            <p:ph type="sldImg"/>
+          </p:nvPr>
+        </p:nvSpPr>
+        <p:spPr/>
+      </p:sp>
+      <p:sp>
+        <p:nvSpPr>
+          <p:cNvPr id="3" name="Notes Placeholder 2"/>
+          <p:cNvSpPr>
+            <a:spLocks noGrp="1"/>
+          </p:cNvSpPr>
+          <p:nvPr>
+            <p:ph type="body" idx="1"/>
+          </p:nvPr>
+        </p:nvSpPr>
+        <p:spPr/>
+        <p:txBody>
+          <a:bodyPr/>
+          <a:lstStyle/>
+          <a:p>
+            <a:endParaRPr lang="en-US" dirty="0"/>
+          </a:p>
+        </p:txBody>
+      </p:sp>
+      <p:sp>
+        <p:nvSpPr>
+          <p:cNvPr id="4" name="Slide Number Placeholder 3"/>
+          <p:cNvSpPr>
+            <a:spLocks noGrp="1"/>
+          </p:cNvSpPr>
+          <p:nvPr>
+            <p:ph type="sldNum" sz="quarter" idx="10"/>
+          </p:nvPr>
+        </p:nvSpPr>
+        <p:spPr/>
+        <p:txBody>
+          <a:bodyPr/>
+          <a:lstStyle/>
+          <a:p>
+            <a:fld id="{75693FD4-8F83-4EF7-AC3F-0DC0388986B0}" type="slidenum">
+              <a:rPr lang="en-US" smtClean="0"/>
+              <a:pPr/>
+              <a:t>4</a:t>
+            </a:fld>
+            <a:endParaRPr lang="en-US" dirty="0"/>
+          </a:p>
+        </p:txBody>
+      </p:sp>
+    </p:spTree>
+    <p:extLst>
+      <p:ext uri="{BB962C8B-B14F-4D97-AF65-F5344CB8AC3E}">
+        <p14:creationId xmlns:p14="http://schemas.microsoft.com/office/powerpoint/2010/main" val="1411013462"/>
+      </p:ext>
+    </p:extLst>
+  </p:cSld>
+  <p:clrMapOvr>
+    <a:masterClrMapping/>
+  </p:clrMapOvr>
+</p:notes>
+</file>
+
+<file path=ppt/notesSlides/notesSlide5.xml><?xml version="1.0" encoding="utf-8"?>
+<p:notes xmlns:a="http://schemas.openxmlformats.org/drawingml/2006/main" xmlns:r="http://schemas.openxmlformats.org/officeDocument/2006/relationships" xmlns:p="http://schemas.openxmlformats.org/presentationml/2006/main">
+  <p:cSld>
+    <p:spTree>
+      <p:nvGrpSpPr>
+        <p:cNvPr id="1" name=""/>
+        <p:cNvGrpSpPr/>
+        <p:nvPr/>
+      </p:nvGrpSpPr>
+      <p:grpSpPr>
+        <a:xfrm>
+          <a:off x="0" y="0"/>
+          <a:ext cx="0" cy="0"/>
+          <a:chOff x="0" y="0"/>
+          <a:chExt cx="0" cy="0"/>
+        </a:xfrm>
+      </p:grpSpPr>
+      <p:sp>
+        <p:nvSpPr>
+          <p:cNvPr id="2" name="Slide Image Placeholder 1"/>
+          <p:cNvSpPr>
+            <a:spLocks noGrp="1" noRot="1" noChangeAspect="1"/>
+          </p:cNvSpPr>
+          <p:nvPr>
+            <p:ph type="sldImg"/>
+          </p:nvPr>
+        </p:nvSpPr>
+        <p:spPr/>
+      </p:sp>
+      <p:sp>
+        <p:nvSpPr>
+          <p:cNvPr id="3" name="Notes Placeholder 2"/>
+          <p:cNvSpPr>
+            <a:spLocks noGrp="1"/>
+          </p:cNvSpPr>
+          <p:nvPr>
+            <p:ph type="body" idx="1"/>
+          </p:nvPr>
+        </p:nvSpPr>
+        <p:spPr/>
+        <p:txBody>
+          <a:bodyPr/>
+          <a:lstStyle/>
+          <a:p>
+            <a:endParaRPr lang="en-US" dirty="0"/>
+          </a:p>
+        </p:txBody>
+      </p:sp>
+      <p:sp>
+        <p:nvSpPr>
+          <p:cNvPr id="4" name="Slide Number Placeholder 3"/>
+          <p:cNvSpPr>
+            <a:spLocks noGrp="1"/>
+          </p:cNvSpPr>
+          <p:nvPr>
+            <p:ph type="sldNum" sz="quarter" idx="10"/>
+          </p:nvPr>
+        </p:nvSpPr>
+        <p:spPr/>
+        <p:txBody>
+          <a:bodyPr/>
+          <a:lstStyle/>
+          <a:p>
+            <a:fld id="{75693FD4-8F83-4EF7-AC3F-0DC0388986B0}" type="slidenum">
+              <a:rPr lang="en-US" smtClean="0"/>
+              <a:pPr/>
+              <a:t>5</a:t>
+            </a:fld>
+            <a:endParaRPr lang="en-US" dirty="0"/>
+          </a:p>
+        </p:txBody>
+      </p:sp>
+    </p:spTree>
+    <p:extLst>
+      <p:ext uri="{BB962C8B-B14F-4D97-AF65-F5344CB8AC3E}">
+        <p14:creationId xmlns:p14="http://schemas.microsoft.com/office/powerpoint/2010/main" val="1411013462"/>
+      </p:ext>
+    </p:extLst>
+  </p:cSld>
+  <p:clrMapOvr>
+    <a:masterClrMapping/>
+  </p:clrMapOvr>
+</p:notes>
+</file>
+
+<file path=ppt/notesSlides/notesSlide6.xml><?xml version="1.0" encoding="utf-8"?>
+<p:notes xmlns:a="http://schemas.openxmlformats.org/drawingml/2006/main" xmlns:r="http://schemas.openxmlformats.org/officeDocument/2006/relationships" xmlns:p="http://schemas.openxmlformats.org/presentationml/2006/main">
+  <p:cSld>
+    <p:spTree>
+      <p:nvGrpSpPr>
+        <p:cNvPr id="1" name=""/>
+        <p:cNvGrpSpPr/>
+        <p:nvPr/>
+      </p:nvGrpSpPr>
+      <p:grpSpPr>
+        <a:xfrm>
+          <a:off x="0" y="0"/>
+          <a:ext cx="0" cy="0"/>
+          <a:chOff x="0" y="0"/>
+          <a:chExt cx="0" cy="0"/>
+        </a:xfrm>
+      </p:grpSpPr>
+      <p:sp>
+        <p:nvSpPr>
+          <p:cNvPr id="2" name="Slide Image Placeholder 1"/>
+          <p:cNvSpPr>
+            <a:spLocks noGrp="1" noRot="1" noChangeAspect="1"/>
+          </p:cNvSpPr>
+          <p:nvPr>
+            <p:ph type="sldImg"/>
+          </p:nvPr>
+        </p:nvSpPr>
+        <p:spPr/>
+      </p:sp>
+      <p:sp>
+        <p:nvSpPr>
+          <p:cNvPr id="3" name="Notes Placeholder 2"/>
+          <p:cNvSpPr>
+            <a:spLocks noGrp="1"/>
+          </p:cNvSpPr>
+          <p:nvPr>
+            <p:ph type="body" idx="1"/>
+          </p:nvPr>
+        </p:nvSpPr>
+        <p:spPr/>
+        <p:txBody>
+          <a:bodyPr>
+            <a:normAutofit/>
+          </a:bodyPr>
+          <a:lstStyle/>
+          <a:p>
+            <a:endParaRPr lang="en-US" dirty="0"/>
+          </a:p>
+        </p:txBody>
+      </p:sp>
+      <p:sp>
+        <p:nvSpPr>
+          <p:cNvPr id="4" name="Slide Number Placeholder 3"/>
+          <p:cNvSpPr>
+            <a:spLocks noGrp="1"/>
+          </p:cNvSpPr>
+          <p:nvPr>
+            <p:ph type="sldNum" sz="quarter" idx="10"/>
+          </p:nvPr>
+        </p:nvSpPr>
+        <p:spPr/>
+        <p:txBody>
+          <a:bodyPr/>
+          <a:lstStyle/>
+          <a:p>
+            <a:fld id="{EC6EAC7D-5A89-47C2-8ABA-56C9C2DEF7A4}" type="slidenum">
+              <a:rPr lang="en-US" smtClean="0"/>
+              <a:pPr/>
+              <a:t>6</a:t>
+            </a:fld>
+            <a:endParaRPr lang="en-US"/>
+          </a:p>
+        </p:txBody>
+      </p:sp>
+    </p:spTree>
+  </p:cSld>
+  <p:clrMapOvr>
+    <a:masterClrMapping/>
+  </p:clrMapOvr>
+</p:notes>
+</file>
+
+<file path=ppt/notesSlides/notesSlide7.xml><?xml version="1.0" encoding="utf-8"?>
+<p:notes xmlns:a="http://schemas.openxmlformats.org/drawingml/2006/main" xmlns:r="http://schemas.openxmlformats.org/officeDocument/2006/relationships" xmlns:p="http://schemas.openxmlformats.org/presentationml/2006/main">
+  <p:cSld>
+    <p:spTree>
+      <p:nvGrpSpPr>
+        <p:cNvPr id="1" name=""/>
+        <p:cNvGrpSpPr/>
+        <p:nvPr/>
+      </p:nvGrpSpPr>
+      <p:grpSpPr>
+        <a:xfrm>
+          <a:off x="0" y="0"/>
+          <a:ext cx="0" cy="0"/>
+          <a:chOff x="0" y="0"/>
+          <a:chExt cx="0" cy="0"/>
+        </a:xfrm>
+      </p:grpSpPr>
+      <p:sp>
+        <p:nvSpPr>
+          <p:cNvPr id="2" name="Slide Image Placeholder 1"/>
+          <p:cNvSpPr>
+            <a:spLocks noGrp="1" noRot="1" noChangeAspect="1"/>
+          </p:cNvSpPr>
+          <p:nvPr>
+            <p:ph type="sldImg"/>
+          </p:nvPr>
+        </p:nvSpPr>
+        <p:spPr/>
+      </p:sp>
+      <p:sp>
+        <p:nvSpPr>
+          <p:cNvPr id="3" name="Notes Placeholder 2"/>
+          <p:cNvSpPr>
+            <a:spLocks noGrp="1"/>
+          </p:cNvSpPr>
+          <p:nvPr>
+            <p:ph type="body" idx="1"/>
+          </p:nvPr>
+        </p:nvSpPr>
+        <p:spPr/>
+        <p:txBody>
+          <a:bodyPr/>
+          <a:lstStyle/>
+          <a:p>
+            <a:endParaRPr lang="en-US" dirty="0"/>
+          </a:p>
+        </p:txBody>
+      </p:sp>
+      <p:sp>
+        <p:nvSpPr>
+          <p:cNvPr id="4" name="Slide Number Placeholder 3"/>
+          <p:cNvSpPr>
+            <a:spLocks noGrp="1"/>
+          </p:cNvSpPr>
+          <p:nvPr>
+            <p:ph type="sldNum" sz="quarter" idx="10"/>
+          </p:nvPr>
+        </p:nvSpPr>
+        <p:spPr/>
+        <p:txBody>
+          <a:bodyPr/>
+          <a:lstStyle/>
+          <a:p>
+            <a:fld id="{75693FD4-8F83-4EF7-AC3F-0DC0388986B0}" type="slidenum">
+              <a:rPr lang="en-US" smtClean="0"/>
+              <a:pPr/>
+              <a:t>7</a:t>
+            </a:fld>
+            <a:endParaRPr lang="en-US" dirty="0"/>
+          </a:p>
+        </p:txBody>
+      </p:sp>
+    </p:spTree>
+    <p:extLst>
+      <p:ext uri="{BB962C8B-B14F-4D97-AF65-F5344CB8AC3E}">
+        <p14:creationId xmlns:p14="http://schemas.microsoft.com/office/powerpoint/2010/main" val="1411013462"/>
+      </p:ext>
+    </p:extLst>
+  </p:cSld>
+  <p:clrMapOvr>
+    <a:masterClrMapping/>
+  </p:clrMapOvr>
+</p:notes>
+</file>
+
+<file path=ppt/notesSlides/notesSlide8.xml><?xml version="1.0" encoding="utf-8"?>
+<p:notes xmlns:a="http://schemas.openxmlformats.org/drawingml/2006/main" xmlns:r="http://schemas.openxmlformats.org/officeDocument/2006/relationships" xmlns:p="http://schemas.openxmlformats.org/presentationml/2006/main">
+  <p:cSld>
+    <p:spTree>
+      <p:nvGrpSpPr>
+        <p:cNvPr id="1" name=""/>
+        <p:cNvGrpSpPr/>
+        <p:nvPr/>
+      </p:nvGrpSpPr>
+      <p:grpSpPr>
+        <a:xfrm>
+          <a:off x="0" y="0"/>
+          <a:ext cx="0" cy="0"/>
+          <a:chOff x="0" y="0"/>
+          <a:chExt cx="0" cy="0"/>
+        </a:xfrm>
+      </p:grpSpPr>
+      <p:sp>
+        <p:nvSpPr>
+          <p:cNvPr id="2" name="Slide Image Placeholder 1"/>
+          <p:cNvSpPr>
+            <a:spLocks noGrp="1" noRot="1" noChangeAspect="1"/>
+          </p:cNvSpPr>
+          <p:nvPr>
+            <p:ph type="sldImg"/>
+          </p:nvPr>
+        </p:nvSpPr>
+        <p:spPr/>
+      </p:sp>
+      <p:sp>
+        <p:nvSpPr>
+          <p:cNvPr id="3" name="Notes Placeholder 2"/>
+          <p:cNvSpPr>
+            <a:spLocks noGrp="1"/>
+          </p:cNvSpPr>
+          <p:nvPr>
+            <p:ph type="body" idx="1"/>
+          </p:nvPr>
+        </p:nvSpPr>
+        <p:spPr/>
+        <p:txBody>
+          <a:bodyPr/>
+          <a:lstStyle/>
+          <a:p>
+            <a:endParaRPr lang="en-US" dirty="0"/>
+          </a:p>
+        </p:txBody>
+      </p:sp>
+      <p:sp>
+        <p:nvSpPr>
+          <p:cNvPr id="4" name="Slide Number Placeholder 3"/>
+          <p:cNvSpPr>
+            <a:spLocks noGrp="1"/>
+          </p:cNvSpPr>
+          <p:nvPr>
+            <p:ph type="sldNum" sz="quarter" idx="10"/>
+          </p:nvPr>
+        </p:nvSpPr>
+        <p:spPr/>
+        <p:txBody>
+          <a:bodyPr/>
+          <a:lstStyle/>
+          <a:p>
+            <a:fld id="{75693FD4-8F83-4EF7-AC3F-0DC0388986B0}" type="slidenum">
+              <a:rPr lang="en-US" smtClean="0"/>
+              <a:pPr/>
+              <a:t>8</a:t>
+            </a:fld>
+            <a:endParaRPr lang="en-US" dirty="0"/>
+          </a:p>
+        </p:txBody>
+      </p:sp>
+    </p:spTree>
+    <p:extLst>
+      <p:ext uri="{BB962C8B-B14F-4D97-AF65-F5344CB8AC3E}">
+        <p14:creationId xmlns:p14="http://schemas.microsoft.com/office/powerpoint/2010/main" val="1411013462"/>
+      </p:ext>
+    </p:extLst>
+  </p:cSld>
+  <p:clrMapOvr>
+    <a:masterClrMapping/>
+  </p:clrMapOvr>
+</p:notes>
+</file>
+
+<file path=ppt/notesSlides/notesSlide9.xml><?xml version="1.0" encoding="utf-8"?>
+<p:notes xmlns:a="http://schemas.openxmlformats.org/drawingml/2006/main" xmlns:r="http://schemas.openxmlformats.org/officeDocument/2006/relationships" xmlns:p="http://schemas.openxmlformats.org/presentationml/2006/main">
+  <p:cSld>
+    <p:spTree>
+      <p:nvGrpSpPr>
+        <p:cNvPr id="1" name=""/>
+        <p:cNvGrpSpPr/>
+        <p:nvPr/>
+      </p:nvGrpSpPr>
+      <p:grpSpPr>
+        <a:xfrm>
+          <a:off x="0" y="0"/>
+          <a:ext cx="0" cy="0"/>
+          <a:chOff x="0" y="0"/>
+          <a:chExt cx="0" cy="0"/>
+        </a:xfrm>
+      </p:grpSpPr>
+      <p:sp>
+        <p:nvSpPr>
+          <p:cNvPr id="2" name="Slide Image Placeholder 1"/>
+          <p:cNvSpPr>
+            <a:spLocks noGrp="1" noRot="1" noChangeAspect="1"/>
+          </p:cNvSpPr>
+          <p:nvPr>
+            <p:ph type="sldImg"/>
+          </p:nvPr>
+        </p:nvSpPr>
+        <p:spPr/>
+      </p:sp>
+      <p:sp>
+        <p:nvSpPr>
+          <p:cNvPr id="3" name="Notes Placeholder 2"/>
+          <p:cNvSpPr>
+            <a:spLocks noGrp="1"/>
+          </p:cNvSpPr>
+          <p:nvPr>
+            <p:ph type="body" idx="1"/>
+          </p:nvPr>
+        </p:nvSpPr>
+        <p:spPr/>
+        <p:txBody>
+          <a:bodyPr>
+            <a:normAutofit/>
+          </a:bodyPr>
+          <a:lstStyle/>
+          <a:p>
+            <a:endParaRPr lang="en-US" dirty="0"/>
+          </a:p>
+        </p:txBody>
+      </p:sp>
+      <p:sp>
+        <p:nvSpPr>
+          <p:cNvPr id="4" name="Slide Number Placeholder 3"/>
+          <p:cNvSpPr>
+            <a:spLocks noGrp="1"/>
+          </p:cNvSpPr>
+          <p:nvPr>
+            <p:ph type="sldNum" sz="quarter" idx="10"/>
+          </p:nvPr>
+        </p:nvSpPr>
+        <p:spPr/>
+        <p:txBody>
+          <a:bodyPr/>
+          <a:lstStyle/>
+          <a:p>
+            <a:fld id="{EC6EAC7D-5A89-47C2-8ABA-56C9C2DEF7A4}" type="slidenum">
+              <a:rPr lang="en-US" smtClean="0"/>
+              <a:pPr/>
+              <a:t>9</a:t>
+            </a:fld>
+            <a:endParaRPr lang="en-US"/>
+          </a:p>
+        </p:txBody>
+      </p:sp>
+    </p:spTree>
   </p:cSld>
   <p:clrMapOvr>
     <a:masterClrMapping/>
@@ -4595,26 +5206,14 @@
           <a:p>
             <a:r>
               <a:rPr lang="en-US" dirty="0" smtClean="0"/>
-              <a:t>Guideline </a:t>
-            </a:r>
-            <a:r>
-              <a:rPr lang="en-US" dirty="0" smtClean="0"/>
-              <a:t>4 </a:t>
-            </a:r>
-            <a:r>
-              <a:rPr lang="en-US" dirty="0" smtClean="0"/>
-              <a:t>for </a:t>
-            </a:r>
-            <a:r>
-              <a:rPr lang="en-US" dirty="0" smtClean="0"/>
-              <a:t/>
+              <a:t>Recap</a:t>
             </a:r>
             <a:br>
               <a:rPr lang="en-US" dirty="0" smtClean="0"/>
             </a:br>
             <a:r>
               <a:rPr lang="en-US" dirty="0" smtClean="0"/>
-              <a:t>robust</a:t>
+              <a:t>Principal 1, 2 &amp; 3</a:t>
             </a:r>
             <a:endParaRPr lang="en-US" dirty="0"/>
           </a:p>
@@ -4663,6 +5262,284 @@
     <a:masterClrMapping/>
   </p:clrMapOvr>
   <p:transition spd="slow">
+    <p:fade/>
+  </p:transition>
+  <p:timing>
+    <p:tnLst>
+      <p:par>
+        <p:cTn id="1" dur="indefinite" restart="never" nodeType="tmRoot"/>
+      </p:par>
+    </p:tnLst>
+  </p:timing>
+</p:sld>
+</file>
+
+<file path=ppt/slides/slide10.xml><?xml version="1.0" encoding="utf-8"?>
+<p:sld xmlns:a="http://schemas.openxmlformats.org/drawingml/2006/main" xmlns:r="http://schemas.openxmlformats.org/officeDocument/2006/relationships" xmlns:p="http://schemas.openxmlformats.org/presentationml/2006/main">
+  <p:cSld>
+    <p:spTree>
+      <p:nvGrpSpPr>
+        <p:cNvPr id="1" name=""/>
+        <p:cNvGrpSpPr/>
+        <p:nvPr/>
+      </p:nvGrpSpPr>
+      <p:grpSpPr>
+        <a:xfrm>
+          <a:off x="0" y="0"/>
+          <a:ext cx="0" cy="0"/>
+          <a:chOff x="0" y="0"/>
+          <a:chExt cx="0" cy="0"/>
+        </a:xfrm>
+      </p:grpSpPr>
+      <p:sp>
+        <p:nvSpPr>
+          <p:cNvPr id="2" name="Title 1"/>
+          <p:cNvSpPr>
+            <a:spLocks noGrp="1"/>
+          </p:cNvSpPr>
+          <p:nvPr>
+            <p:ph type="title"/>
+          </p:nvPr>
+        </p:nvSpPr>
+        <p:spPr/>
+        <p:txBody>
+          <a:bodyPr>
+            <a:normAutofit/>
+          </a:bodyPr>
+          <a:lstStyle/>
+          <a:p>
+            <a:r>
+              <a:rPr lang="en-US" dirty="0" smtClean="0">
+                <a:latin typeface="Calibri" charset="0"/>
+              </a:rPr>
+              <a:t>Testing Tools</a:t>
+            </a:r>
+            <a:endParaRPr lang="en-US" dirty="0"/>
+          </a:p>
+        </p:txBody>
+      </p:sp>
+      <p:sp>
+        <p:nvSpPr>
+          <p:cNvPr id="3" name="Content Placeholder 2"/>
+          <p:cNvSpPr>
+            <a:spLocks noGrp="1"/>
+          </p:cNvSpPr>
+          <p:nvPr>
+            <p:ph idx="1"/>
+          </p:nvPr>
+        </p:nvSpPr>
+        <p:spPr>
+          <a:xfrm>
+            <a:off x="762000" y="1981200"/>
+            <a:ext cx="8077200" cy="4297363"/>
+          </a:xfrm>
+        </p:spPr>
+        <p:txBody>
+          <a:bodyPr>
+            <a:normAutofit lnSpcReduction="10000"/>
+          </a:bodyPr>
+          <a:lstStyle/>
+          <a:p>
+            <a:r>
+              <a:rPr lang="en-US" dirty="0" smtClean="0">
+                <a:latin typeface="Calibri" charset="0"/>
+              </a:rPr>
+              <a:t>XHTML Validator</a:t>
+            </a:r>
+          </a:p>
+          <a:p>
+            <a:r>
+              <a:rPr lang="en-US" dirty="0" smtClean="0">
+                <a:latin typeface="Calibri" charset="0"/>
+              </a:rPr>
+              <a:t>WAVE toolbar (rti.gov.in)</a:t>
+            </a:r>
+          </a:p>
+          <a:p>
+            <a:pPr lvl="1"/>
+            <a:r>
+              <a:rPr lang="en-US" dirty="0" smtClean="0">
+                <a:latin typeface="Calibri" charset="0"/>
+              </a:rPr>
+              <a:t>Icon keys</a:t>
+            </a:r>
+          </a:p>
+          <a:p>
+            <a:pPr lvl="1"/>
+            <a:r>
+              <a:rPr lang="en-US" dirty="0" smtClean="0">
+                <a:latin typeface="Calibri" charset="0"/>
+              </a:rPr>
+              <a:t>Errors</a:t>
+            </a:r>
+          </a:p>
+          <a:p>
+            <a:pPr lvl="1"/>
+            <a:r>
+              <a:rPr lang="en-US" dirty="0" smtClean="0">
+                <a:latin typeface="Calibri" charset="0"/>
+              </a:rPr>
+              <a:t>Structure and Order</a:t>
+            </a:r>
+          </a:p>
+          <a:p>
+            <a:pPr lvl="1"/>
+            <a:r>
+              <a:rPr lang="en-US" dirty="0" smtClean="0">
+                <a:latin typeface="Calibri" charset="0"/>
+              </a:rPr>
+              <a:t>Text Only</a:t>
+            </a:r>
+          </a:p>
+          <a:p>
+            <a:pPr lvl="1"/>
+            <a:r>
+              <a:rPr lang="en-US" dirty="0" smtClean="0">
+                <a:latin typeface="Calibri" charset="0"/>
+              </a:rPr>
+              <a:t>Outline</a:t>
+            </a:r>
+          </a:p>
+          <a:p>
+            <a:r>
+              <a:rPr lang="en-US" dirty="0" smtClean="0">
+                <a:latin typeface="Calibri" charset="0"/>
+              </a:rPr>
+              <a:t>Color contrast check</a:t>
+            </a:r>
+            <a:endParaRPr lang="en-US" dirty="0">
+              <a:latin typeface="Calibri" charset="0"/>
+            </a:endParaRPr>
+          </a:p>
+          <a:p>
+            <a:endParaRPr lang="en-US" dirty="0"/>
+          </a:p>
+        </p:txBody>
+      </p:sp>
+      <p:sp>
+        <p:nvSpPr>
+          <p:cNvPr id="4" name="Slide Number Placeholder 3"/>
+          <p:cNvSpPr>
+            <a:spLocks noGrp="1"/>
+          </p:cNvSpPr>
+          <p:nvPr>
+            <p:ph type="sldNum" sz="quarter" idx="12"/>
+          </p:nvPr>
+        </p:nvSpPr>
+        <p:spPr/>
+        <p:txBody>
+          <a:bodyPr/>
+          <a:lstStyle/>
+          <a:p>
+            <a:fld id="{33D6E5A2-EC83-451F-A719-9AC1370DD5CF}" type="slidenum">
+              <a:rPr lang="en-US" smtClean="0"/>
+              <a:pPr/>
+              <a:t>10</a:t>
+            </a:fld>
+            <a:endParaRPr lang="en-US" dirty="0"/>
+          </a:p>
+        </p:txBody>
+      </p:sp>
+    </p:spTree>
+    <p:extLst>
+      <p:ext uri="{BB962C8B-B14F-4D97-AF65-F5344CB8AC3E}">
+        <p14:creationId xmlns:p14="http://schemas.microsoft.com/office/powerpoint/2010/main" val="646125176"/>
+      </p:ext>
+    </p:extLst>
+  </p:cSld>
+  <p:clrMapOvr>
+    <a:masterClrMapping/>
+  </p:clrMapOvr>
+  <p:transition spd="slow">
+    <p:wipe dir="d"/>
+  </p:transition>
+  <p:timing>
+    <p:tnLst>
+      <p:par>
+        <p:cTn id="1" dur="indefinite" restart="never" nodeType="tmRoot"/>
+      </p:par>
+    </p:tnLst>
+  </p:timing>
+</p:sld>
+</file>
+
+<file path=ppt/slides/slide11.xml><?xml version="1.0" encoding="utf-8"?>
+<p:sld xmlns:a="http://schemas.openxmlformats.org/drawingml/2006/main" xmlns:r="http://schemas.openxmlformats.org/officeDocument/2006/relationships" xmlns:p="http://schemas.openxmlformats.org/presentationml/2006/main">
+  <p:cSld>
+    <p:spTree>
+      <p:nvGrpSpPr>
+        <p:cNvPr id="1" name=""/>
+        <p:cNvGrpSpPr/>
+        <p:nvPr/>
+      </p:nvGrpSpPr>
+      <p:grpSpPr>
+        <a:xfrm>
+          <a:off x="0" y="0"/>
+          <a:ext cx="0" cy="0"/>
+          <a:chOff x="0" y="0"/>
+          <a:chExt cx="0" cy="0"/>
+        </a:xfrm>
+      </p:grpSpPr>
+      <p:sp>
+        <p:nvSpPr>
+          <p:cNvPr id="620546" name="Rectangle 2"/>
+          <p:cNvSpPr>
+            <a:spLocks noGrp="1" noChangeArrowheads="1"/>
+          </p:cNvSpPr>
+          <p:nvPr>
+            <p:ph type="title"/>
+            <p:custDataLst>
+              <p:tags r:id="rId2"/>
+            </p:custDataLst>
+          </p:nvPr>
+        </p:nvSpPr>
+        <p:spPr/>
+        <p:txBody>
+          <a:bodyPr>
+            <a:normAutofit/>
+          </a:bodyPr>
+          <a:lstStyle/>
+          <a:p>
+            <a:pPr>
+              <a:defRPr/>
+            </a:pPr>
+            <a:r>
+              <a:rPr lang="en-US" dirty="0" smtClean="0"/>
+              <a:t>Exercise – </a:t>
+            </a:r>
+            <a:r>
+              <a:rPr lang="en-US" dirty="0"/>
+              <a:t>T</a:t>
+            </a:r>
+            <a:r>
+              <a:rPr lang="en-US" dirty="0" smtClean="0"/>
+              <a:t>est </a:t>
+            </a:r>
+            <a:r>
+              <a:rPr lang="en-US" dirty="0"/>
+              <a:t>O</a:t>
+            </a:r>
+            <a:r>
+              <a:rPr lang="en-US" dirty="0" smtClean="0"/>
+              <a:t>wn Application</a:t>
+            </a:r>
+          </a:p>
+        </p:txBody>
+      </p:sp>
+    </p:spTree>
+    <p:custDataLst>
+      <p:tags r:id="rId1"/>
+    </p:custDataLst>
+    <p:extLst>
+      <p:ext uri="{BB962C8B-B14F-4D97-AF65-F5344CB8AC3E}">
+        <p14:creationId xmlns:p14="http://schemas.microsoft.com/office/powerpoint/2010/main" val="3398769398"/>
+      </p:ext>
+    </p:extLst>
+  </p:cSld>
+  <p:clrMapOvr>
+    <a:masterClrMapping/>
+  </p:clrMapOvr>
+  <p:transition>
     <p:fade/>
   </p:transition>
   <p:timing>
@@ -4705,7 +5582,898 @@
         <p:spPr/>
         <p:txBody>
           <a:bodyPr>
-            <a:normAutofit fontScale="90000"/>
+            <a:normAutofit/>
+          </a:bodyPr>
+          <a:lstStyle/>
+          <a:p>
+            <a:r>
+              <a:rPr lang="en-US" dirty="0" smtClean="0">
+                <a:latin typeface="Calibri" charset="0"/>
+              </a:rPr>
+              <a:t>Principal 1 - Perceivable</a:t>
+            </a:r>
+            <a:endParaRPr lang="en-US" dirty="0"/>
+          </a:p>
+        </p:txBody>
+      </p:sp>
+      <p:sp>
+        <p:nvSpPr>
+          <p:cNvPr id="3" name="Content Placeholder 2"/>
+          <p:cNvSpPr>
+            <a:spLocks noGrp="1"/>
+          </p:cNvSpPr>
+          <p:nvPr>
+            <p:ph idx="1"/>
+          </p:nvPr>
+        </p:nvSpPr>
+        <p:spPr>
+          <a:xfrm>
+            <a:off x="762000" y="1600200"/>
+            <a:ext cx="8077200" cy="4678363"/>
+          </a:xfrm>
+        </p:spPr>
+        <p:txBody>
+          <a:bodyPr>
+            <a:normAutofit fontScale="92500" lnSpcReduction="20000"/>
+          </a:bodyPr>
+          <a:lstStyle/>
+          <a:p>
+            <a:r>
+              <a:rPr lang="en-US" dirty="0" smtClean="0"/>
+              <a:t>Text Alternative </a:t>
+            </a:r>
+          </a:p>
+          <a:p>
+            <a:pPr lvl="1"/>
+            <a:r>
+              <a:rPr lang="en-US" dirty="0" smtClean="0"/>
+              <a:t>alt text (Images, </a:t>
+            </a:r>
+            <a:r>
+              <a:rPr lang="en-US" dirty="0" smtClean="0">
+                <a:hlinkClick r:id="rId3"/>
+              </a:rPr>
+              <a:t>Graphs</a:t>
+            </a:r>
+            <a:r>
+              <a:rPr lang="en-US" dirty="0" smtClean="0"/>
+              <a:t>)</a:t>
+            </a:r>
+          </a:p>
+          <a:p>
+            <a:pPr lvl="1"/>
+            <a:r>
+              <a:rPr lang="en-US" dirty="0" smtClean="0"/>
+              <a:t>Image as input control (Name need to be given)</a:t>
+            </a:r>
+          </a:p>
+          <a:p>
+            <a:pPr lvl="1"/>
+            <a:r>
+              <a:rPr lang="en-US" smtClean="0">
+                <a:hlinkClick r:id="rId4"/>
+              </a:rPr>
+              <a:t>CAPTCHA</a:t>
+            </a:r>
+            <a:r>
+              <a:rPr lang="en-US" smtClean="0"/>
+              <a:t> or MAPTCHA</a:t>
+            </a:r>
+            <a:endParaRPr lang="en-US" dirty="0" smtClean="0"/>
+          </a:p>
+          <a:p>
+            <a:pPr marL="342900" lvl="1" indent="-342900">
+              <a:buFont typeface="Arial" pitchFamily="34" charset="0"/>
+              <a:buChar char="•"/>
+            </a:pPr>
+            <a:r>
+              <a:rPr lang="en-US" dirty="0" smtClean="0"/>
+              <a:t>Time </a:t>
+            </a:r>
+            <a:r>
+              <a:rPr lang="en-US" dirty="0"/>
+              <a:t>based Media (pre recorded</a:t>
+            </a:r>
+            <a:r>
+              <a:rPr lang="en-US" dirty="0" smtClean="0"/>
+              <a:t>)</a:t>
+            </a:r>
+          </a:p>
+          <a:p>
+            <a:pPr lvl="1"/>
+            <a:r>
+              <a:rPr lang="en-US" dirty="0" smtClean="0"/>
+              <a:t>Audio and video Captions</a:t>
+            </a:r>
+          </a:p>
+          <a:p>
+            <a:r>
+              <a:rPr lang="en-US" dirty="0" smtClean="0"/>
+              <a:t>Adaptable</a:t>
+            </a:r>
+          </a:p>
+          <a:p>
+            <a:pPr lvl="1"/>
+            <a:r>
+              <a:rPr lang="en-US" dirty="0" smtClean="0"/>
+              <a:t>Info and relationships (label placement)</a:t>
+            </a:r>
+          </a:p>
+          <a:p>
+            <a:pPr lvl="1"/>
+            <a:r>
+              <a:rPr lang="en-US" dirty="0" smtClean="0"/>
+              <a:t>Meaningful sequence (tab order)</a:t>
+            </a:r>
+          </a:p>
+          <a:p>
+            <a:pPr lvl="1"/>
+            <a:r>
+              <a:rPr lang="en-US" dirty="0" smtClean="0"/>
+              <a:t>Sensory Characteristics (identifying content using shape or location)</a:t>
+            </a:r>
+          </a:p>
+          <a:p>
+            <a:endParaRPr lang="en-US" dirty="0"/>
+          </a:p>
+        </p:txBody>
+      </p:sp>
+      <p:sp>
+        <p:nvSpPr>
+          <p:cNvPr id="4" name="Slide Number Placeholder 3"/>
+          <p:cNvSpPr>
+            <a:spLocks noGrp="1"/>
+          </p:cNvSpPr>
+          <p:nvPr>
+            <p:ph type="sldNum" sz="quarter" idx="12"/>
+          </p:nvPr>
+        </p:nvSpPr>
+        <p:spPr/>
+        <p:txBody>
+          <a:bodyPr/>
+          <a:lstStyle/>
+          <a:p>
+            <a:fld id="{33D6E5A2-EC83-451F-A719-9AC1370DD5CF}" type="slidenum">
+              <a:rPr lang="en-US" smtClean="0"/>
+              <a:pPr/>
+              <a:t>2</a:t>
+            </a:fld>
+            <a:endParaRPr lang="en-US" dirty="0"/>
+          </a:p>
+        </p:txBody>
+      </p:sp>
+    </p:spTree>
+    <p:extLst>
+      <p:ext uri="{BB962C8B-B14F-4D97-AF65-F5344CB8AC3E}">
+        <p14:creationId xmlns:p14="http://schemas.microsoft.com/office/powerpoint/2010/main" val="249920030"/>
+      </p:ext>
+    </p:extLst>
+  </p:cSld>
+  <p:clrMapOvr>
+    <a:masterClrMapping/>
+  </p:clrMapOvr>
+  <p:transition spd="slow">
+    <p:wipe dir="d"/>
+  </p:transition>
+  <p:timing>
+    <p:tnLst>
+      <p:par>
+        <p:cTn id="1" dur="indefinite" restart="never" nodeType="tmRoot"/>
+      </p:par>
+    </p:tnLst>
+  </p:timing>
+</p:sld>
+</file>
+
+<file path=ppt/slides/slide3.xml><?xml version="1.0" encoding="utf-8"?>
+<p:sld xmlns:a="http://schemas.openxmlformats.org/drawingml/2006/main" xmlns:r="http://schemas.openxmlformats.org/officeDocument/2006/relationships" xmlns:p="http://schemas.openxmlformats.org/presentationml/2006/main">
+  <p:cSld>
+    <p:spTree>
+      <p:nvGrpSpPr>
+        <p:cNvPr id="1" name=""/>
+        <p:cNvGrpSpPr/>
+        <p:nvPr/>
+      </p:nvGrpSpPr>
+      <p:grpSpPr>
+        <a:xfrm>
+          <a:off x="0" y="0"/>
+          <a:ext cx="0" cy="0"/>
+          <a:chOff x="0" y="0"/>
+          <a:chExt cx="0" cy="0"/>
+        </a:xfrm>
+      </p:grpSpPr>
+      <p:sp>
+        <p:nvSpPr>
+          <p:cNvPr id="2" name="Title 1"/>
+          <p:cNvSpPr>
+            <a:spLocks noGrp="1"/>
+          </p:cNvSpPr>
+          <p:nvPr>
+            <p:ph type="title"/>
+          </p:nvPr>
+        </p:nvSpPr>
+        <p:spPr/>
+        <p:txBody>
+          <a:bodyPr>
+            <a:normAutofit/>
+          </a:bodyPr>
+          <a:lstStyle/>
+          <a:p>
+            <a:r>
+              <a:rPr lang="en-US" dirty="0" smtClean="0">
+                <a:latin typeface="Calibri" charset="0"/>
+              </a:rPr>
+              <a:t>Principal 1 - Perceivable</a:t>
+            </a:r>
+            <a:endParaRPr lang="en-US" dirty="0"/>
+          </a:p>
+        </p:txBody>
+      </p:sp>
+      <p:sp>
+        <p:nvSpPr>
+          <p:cNvPr id="3" name="Content Placeholder 2"/>
+          <p:cNvSpPr>
+            <a:spLocks noGrp="1"/>
+          </p:cNvSpPr>
+          <p:nvPr>
+            <p:ph idx="1"/>
+          </p:nvPr>
+        </p:nvSpPr>
+        <p:spPr>
+          <a:xfrm>
+            <a:off x="762000" y="1600200"/>
+            <a:ext cx="8077200" cy="4678363"/>
+          </a:xfrm>
+        </p:spPr>
+        <p:txBody>
+          <a:bodyPr>
+            <a:normAutofit/>
+          </a:bodyPr>
+          <a:lstStyle/>
+          <a:p>
+            <a:r>
+              <a:rPr lang="en-US" dirty="0" smtClean="0"/>
+              <a:t>Distinguishable (background </a:t>
+            </a:r>
+            <a:r>
+              <a:rPr lang="en-US" dirty="0" err="1" smtClean="0"/>
+              <a:t>vs</a:t>
+            </a:r>
+            <a:r>
+              <a:rPr lang="en-US" dirty="0" smtClean="0"/>
+              <a:t> foreground)</a:t>
+            </a:r>
+          </a:p>
+          <a:p>
+            <a:pPr lvl="1"/>
+            <a:r>
+              <a:rPr lang="en-US" dirty="0" smtClean="0"/>
+              <a:t>Use of color (red color as invalid input)</a:t>
+            </a:r>
+          </a:p>
+          <a:p>
+            <a:pPr lvl="1"/>
+            <a:r>
+              <a:rPr lang="en-US" dirty="0" smtClean="0"/>
+              <a:t>Audio Control (if music play automatically)</a:t>
+            </a:r>
+          </a:p>
+          <a:p>
+            <a:pPr lvl="1"/>
+            <a:r>
+              <a:rPr lang="en-US" dirty="0" smtClean="0"/>
+              <a:t>Contrast (4.5 : 1)</a:t>
+            </a:r>
+            <a:endParaRPr lang="en-US" dirty="0"/>
+          </a:p>
+        </p:txBody>
+      </p:sp>
+      <p:sp>
+        <p:nvSpPr>
+          <p:cNvPr id="4" name="Slide Number Placeholder 3"/>
+          <p:cNvSpPr>
+            <a:spLocks noGrp="1"/>
+          </p:cNvSpPr>
+          <p:nvPr>
+            <p:ph type="sldNum" sz="quarter" idx="12"/>
+          </p:nvPr>
+        </p:nvSpPr>
+        <p:spPr/>
+        <p:txBody>
+          <a:bodyPr/>
+          <a:lstStyle/>
+          <a:p>
+            <a:fld id="{33D6E5A2-EC83-451F-A719-9AC1370DD5CF}" type="slidenum">
+              <a:rPr lang="en-US" smtClean="0"/>
+              <a:pPr/>
+              <a:t>3</a:t>
+            </a:fld>
+            <a:endParaRPr lang="en-US" dirty="0"/>
+          </a:p>
+        </p:txBody>
+      </p:sp>
+    </p:spTree>
+    <p:extLst>
+      <p:ext uri="{BB962C8B-B14F-4D97-AF65-F5344CB8AC3E}">
+        <p14:creationId xmlns:p14="http://schemas.microsoft.com/office/powerpoint/2010/main" val="1105311148"/>
+      </p:ext>
+    </p:extLst>
+  </p:cSld>
+  <p:clrMapOvr>
+    <a:masterClrMapping/>
+  </p:clrMapOvr>
+  <p:transition spd="slow">
+    <p:wipe dir="d"/>
+  </p:transition>
+  <p:timing>
+    <p:tnLst>
+      <p:par>
+        <p:cTn id="1" dur="indefinite" restart="never" nodeType="tmRoot"/>
+      </p:par>
+    </p:tnLst>
+  </p:timing>
+</p:sld>
+</file>
+
+<file path=ppt/slides/slide4.xml><?xml version="1.0" encoding="utf-8"?>
+<p:sld xmlns:a="http://schemas.openxmlformats.org/drawingml/2006/main" xmlns:r="http://schemas.openxmlformats.org/officeDocument/2006/relationships" xmlns:p="http://schemas.openxmlformats.org/presentationml/2006/main">
+  <p:cSld>
+    <p:spTree>
+      <p:nvGrpSpPr>
+        <p:cNvPr id="1" name=""/>
+        <p:cNvGrpSpPr/>
+        <p:nvPr/>
+      </p:nvGrpSpPr>
+      <p:grpSpPr>
+        <a:xfrm>
+          <a:off x="0" y="0"/>
+          <a:ext cx="0" cy="0"/>
+          <a:chOff x="0" y="0"/>
+          <a:chExt cx="0" cy="0"/>
+        </a:xfrm>
+      </p:grpSpPr>
+      <p:sp>
+        <p:nvSpPr>
+          <p:cNvPr id="2" name="Title 1"/>
+          <p:cNvSpPr>
+            <a:spLocks noGrp="1"/>
+          </p:cNvSpPr>
+          <p:nvPr>
+            <p:ph type="title"/>
+          </p:nvPr>
+        </p:nvSpPr>
+        <p:spPr/>
+        <p:txBody>
+          <a:bodyPr>
+            <a:normAutofit/>
+          </a:bodyPr>
+          <a:lstStyle/>
+          <a:p>
+            <a:r>
+              <a:rPr lang="en-US" dirty="0" smtClean="0">
+                <a:latin typeface="Calibri" charset="0"/>
+              </a:rPr>
+              <a:t>Principal 2 - Operable</a:t>
+            </a:r>
+            <a:endParaRPr lang="en-US" dirty="0"/>
+          </a:p>
+        </p:txBody>
+      </p:sp>
+      <p:sp>
+        <p:nvSpPr>
+          <p:cNvPr id="3" name="Content Placeholder 2"/>
+          <p:cNvSpPr>
+            <a:spLocks noGrp="1"/>
+          </p:cNvSpPr>
+          <p:nvPr>
+            <p:ph idx="1"/>
+          </p:nvPr>
+        </p:nvSpPr>
+        <p:spPr>
+          <a:xfrm>
+            <a:off x="762000" y="1600200"/>
+            <a:ext cx="8077200" cy="4678363"/>
+          </a:xfrm>
+        </p:spPr>
+        <p:txBody>
+          <a:bodyPr>
+            <a:normAutofit fontScale="92500" lnSpcReduction="20000"/>
+          </a:bodyPr>
+          <a:lstStyle/>
+          <a:p>
+            <a:r>
+              <a:rPr lang="en-US" dirty="0" smtClean="0"/>
+              <a:t>Keyboard </a:t>
+            </a:r>
+            <a:r>
+              <a:rPr lang="en-US" dirty="0" smtClean="0"/>
+              <a:t>Accessible (</a:t>
+            </a:r>
+            <a:r>
+              <a:rPr lang="en-US" dirty="0" err="1" smtClean="0"/>
+              <a:t>tabindex</a:t>
+            </a:r>
+            <a:r>
+              <a:rPr lang="en-US" dirty="0" smtClean="0"/>
+              <a:t>, </a:t>
+            </a:r>
+            <a:r>
+              <a:rPr lang="en-US" dirty="0" smtClean="0">
+                <a:hlinkClick r:id="rId3"/>
+              </a:rPr>
+              <a:t>Inaccessible</a:t>
+            </a:r>
+            <a:r>
+              <a:rPr lang="en-US" dirty="0" smtClean="0"/>
+              <a:t> vs. </a:t>
+            </a:r>
+            <a:r>
+              <a:rPr lang="en-US" dirty="0" smtClean="0">
+                <a:hlinkClick r:id="rId3"/>
+              </a:rPr>
+              <a:t>Accessible</a:t>
+            </a:r>
+            <a:r>
+              <a:rPr lang="en-US" dirty="0" smtClean="0"/>
+              <a:t> Drag &amp; Drop  </a:t>
+            </a:r>
+            <a:r>
+              <a:rPr lang="en-US" dirty="0" smtClean="0">
+                <a:hlinkClick r:id="rId3"/>
+              </a:rPr>
+              <a:t>live example</a:t>
+            </a:r>
+            <a:r>
+              <a:rPr lang="en-US" dirty="0" smtClean="0"/>
+              <a:t>)</a:t>
+            </a:r>
+            <a:endParaRPr lang="en-US" dirty="0" smtClean="0"/>
+          </a:p>
+          <a:p>
+            <a:r>
+              <a:rPr lang="en-US" dirty="0" smtClean="0"/>
+              <a:t>Enough Time to read and use content</a:t>
+            </a:r>
+          </a:p>
+          <a:p>
+            <a:pPr lvl="1"/>
+            <a:r>
+              <a:rPr lang="en-US" dirty="0" smtClean="0"/>
+              <a:t>Control time (time off, adjust, extend)</a:t>
+            </a:r>
+          </a:p>
+          <a:p>
+            <a:pPr lvl="1"/>
+            <a:r>
+              <a:rPr lang="en-US" dirty="0" smtClean="0"/>
+              <a:t>Pause, stop, hide (Marquee)</a:t>
+            </a:r>
+          </a:p>
+          <a:p>
+            <a:r>
+              <a:rPr lang="en-US" dirty="0" smtClean="0"/>
+              <a:t>Seizures (flashes)</a:t>
+            </a:r>
+          </a:p>
+          <a:p>
+            <a:r>
+              <a:rPr lang="en-US" dirty="0" smtClean="0"/>
+              <a:t>Navigable (Easy navigation, find content easily)</a:t>
+            </a:r>
+          </a:p>
+          <a:p>
+            <a:pPr lvl="1"/>
+            <a:r>
+              <a:rPr lang="en-US" dirty="0" smtClean="0"/>
+              <a:t>Bypass block (skip to main)</a:t>
+            </a:r>
+          </a:p>
+          <a:p>
+            <a:pPr lvl="1"/>
+            <a:r>
+              <a:rPr lang="en-US" dirty="0" smtClean="0"/>
+              <a:t>Page title</a:t>
+            </a:r>
+          </a:p>
+          <a:p>
+            <a:pPr lvl="1"/>
+            <a:r>
+              <a:rPr lang="en-US" dirty="0" smtClean="0"/>
+              <a:t>Focus Order</a:t>
+            </a:r>
+          </a:p>
+          <a:p>
+            <a:pPr lvl="1"/>
+            <a:r>
+              <a:rPr lang="en-US" dirty="0" smtClean="0"/>
+              <a:t>Link purpose (Click here)</a:t>
+            </a:r>
+          </a:p>
+        </p:txBody>
+      </p:sp>
+      <p:sp>
+        <p:nvSpPr>
+          <p:cNvPr id="4" name="Slide Number Placeholder 3"/>
+          <p:cNvSpPr>
+            <a:spLocks noGrp="1"/>
+          </p:cNvSpPr>
+          <p:nvPr>
+            <p:ph type="sldNum" sz="quarter" idx="12"/>
+          </p:nvPr>
+        </p:nvSpPr>
+        <p:spPr/>
+        <p:txBody>
+          <a:bodyPr/>
+          <a:lstStyle/>
+          <a:p>
+            <a:fld id="{33D6E5A2-EC83-451F-A719-9AC1370DD5CF}" type="slidenum">
+              <a:rPr lang="en-US" smtClean="0"/>
+              <a:pPr/>
+              <a:t>4</a:t>
+            </a:fld>
+            <a:endParaRPr lang="en-US" dirty="0"/>
+          </a:p>
+        </p:txBody>
+      </p:sp>
+    </p:spTree>
+    <p:extLst>
+      <p:ext uri="{BB962C8B-B14F-4D97-AF65-F5344CB8AC3E}">
+        <p14:creationId xmlns:p14="http://schemas.microsoft.com/office/powerpoint/2010/main" val="1038955164"/>
+      </p:ext>
+    </p:extLst>
+  </p:cSld>
+  <p:clrMapOvr>
+    <a:masterClrMapping/>
+  </p:clrMapOvr>
+  <p:transition spd="slow">
+    <p:wipe dir="d"/>
+  </p:transition>
+  <p:timing>
+    <p:tnLst>
+      <p:par>
+        <p:cTn id="1" dur="indefinite" restart="never" nodeType="tmRoot"/>
+      </p:par>
+    </p:tnLst>
+  </p:timing>
+</p:sld>
+</file>
+
+<file path=ppt/slides/slide5.xml><?xml version="1.0" encoding="utf-8"?>
+<p:sld xmlns:a="http://schemas.openxmlformats.org/drawingml/2006/main" xmlns:r="http://schemas.openxmlformats.org/officeDocument/2006/relationships" xmlns:p="http://schemas.openxmlformats.org/presentationml/2006/main">
+  <p:cSld>
+    <p:spTree>
+      <p:nvGrpSpPr>
+        <p:cNvPr id="1" name=""/>
+        <p:cNvGrpSpPr/>
+        <p:nvPr/>
+      </p:nvGrpSpPr>
+      <p:grpSpPr>
+        <a:xfrm>
+          <a:off x="0" y="0"/>
+          <a:ext cx="0" cy="0"/>
+          <a:chOff x="0" y="0"/>
+          <a:chExt cx="0" cy="0"/>
+        </a:xfrm>
+      </p:grpSpPr>
+      <p:sp>
+        <p:nvSpPr>
+          <p:cNvPr id="2" name="Title 1"/>
+          <p:cNvSpPr>
+            <a:spLocks noGrp="1"/>
+          </p:cNvSpPr>
+          <p:nvPr>
+            <p:ph type="title"/>
+          </p:nvPr>
+        </p:nvSpPr>
+        <p:spPr/>
+        <p:txBody>
+          <a:bodyPr>
+            <a:normAutofit/>
+          </a:bodyPr>
+          <a:lstStyle/>
+          <a:p>
+            <a:r>
+              <a:rPr lang="en-US" dirty="0" smtClean="0">
+                <a:latin typeface="Calibri" charset="0"/>
+              </a:rPr>
+              <a:t>Principal 3 - Understandable</a:t>
+            </a:r>
+            <a:endParaRPr lang="en-US" dirty="0"/>
+          </a:p>
+        </p:txBody>
+      </p:sp>
+      <p:sp>
+        <p:nvSpPr>
+          <p:cNvPr id="3" name="Content Placeholder 2"/>
+          <p:cNvSpPr>
+            <a:spLocks noGrp="1"/>
+          </p:cNvSpPr>
+          <p:nvPr>
+            <p:ph idx="1"/>
+          </p:nvPr>
+        </p:nvSpPr>
+        <p:spPr>
+          <a:xfrm>
+            <a:off x="762000" y="1600200"/>
+            <a:ext cx="8077200" cy="4678363"/>
+          </a:xfrm>
+        </p:spPr>
+        <p:txBody>
+          <a:bodyPr>
+            <a:normAutofit lnSpcReduction="10000"/>
+          </a:bodyPr>
+          <a:lstStyle/>
+          <a:p>
+            <a:r>
+              <a:rPr lang="en-US" dirty="0" smtClean="0"/>
+              <a:t>Readable (thru screen reader – multi lingual)</a:t>
+            </a:r>
+          </a:p>
+          <a:p>
+            <a:pPr lvl="1"/>
+            <a:r>
+              <a:rPr lang="en-US" dirty="0" smtClean="0"/>
+              <a:t>Language of page and part</a:t>
+            </a:r>
+          </a:p>
+          <a:p>
+            <a:r>
+              <a:rPr lang="en-US" dirty="0" smtClean="0"/>
+              <a:t>Predictable (predicable web page)</a:t>
+            </a:r>
+          </a:p>
+          <a:p>
+            <a:pPr lvl="1"/>
+            <a:r>
+              <a:rPr lang="en-US" dirty="0" smtClean="0"/>
+              <a:t>On focus : change the context </a:t>
+            </a:r>
+            <a:r>
+              <a:rPr lang="en-US" dirty="0"/>
+              <a:t>(submit button)</a:t>
+            </a:r>
+            <a:endParaRPr lang="en-US" dirty="0" smtClean="0"/>
+          </a:p>
+          <a:p>
+            <a:pPr lvl="1"/>
+            <a:r>
+              <a:rPr lang="en-US" dirty="0"/>
+              <a:t>On </a:t>
+            </a:r>
+            <a:r>
+              <a:rPr lang="en-US" dirty="0" smtClean="0"/>
+              <a:t>Input : </a:t>
+            </a:r>
+            <a:r>
+              <a:rPr lang="en-US" dirty="0"/>
+              <a:t>change the </a:t>
+            </a:r>
+            <a:r>
+              <a:rPr lang="en-US" dirty="0" smtClean="0"/>
+              <a:t>context (submit button)</a:t>
+            </a:r>
+          </a:p>
+          <a:p>
+            <a:r>
+              <a:rPr lang="en-US" dirty="0" smtClean="0"/>
+              <a:t>Input Assistance (Help user to avoid or correct)</a:t>
+            </a:r>
+          </a:p>
+          <a:p>
+            <a:pPr lvl="1"/>
+            <a:r>
+              <a:rPr lang="en-US" dirty="0" smtClean="0"/>
+              <a:t>Error identification</a:t>
+            </a:r>
+          </a:p>
+          <a:p>
+            <a:pPr lvl="1"/>
+            <a:r>
+              <a:rPr lang="en-US" dirty="0" smtClean="0"/>
+              <a:t>Label of instruction (descriptive label and format)</a:t>
+            </a:r>
+          </a:p>
+          <a:p>
+            <a:pPr lvl="2"/>
+            <a:endParaRPr lang="en-US" dirty="0" smtClean="0"/>
+          </a:p>
+          <a:p>
+            <a:pPr lvl="1"/>
+            <a:endParaRPr lang="en-US" dirty="0" smtClean="0"/>
+          </a:p>
+          <a:p>
+            <a:endParaRPr lang="en-US" dirty="0" smtClean="0"/>
+          </a:p>
+        </p:txBody>
+      </p:sp>
+      <p:sp>
+        <p:nvSpPr>
+          <p:cNvPr id="4" name="Slide Number Placeholder 3"/>
+          <p:cNvSpPr>
+            <a:spLocks noGrp="1"/>
+          </p:cNvSpPr>
+          <p:nvPr>
+            <p:ph type="sldNum" sz="quarter" idx="12"/>
+          </p:nvPr>
+        </p:nvSpPr>
+        <p:spPr/>
+        <p:txBody>
+          <a:bodyPr/>
+          <a:lstStyle/>
+          <a:p>
+            <a:fld id="{33D6E5A2-EC83-451F-A719-9AC1370DD5CF}" type="slidenum">
+              <a:rPr lang="en-US" smtClean="0"/>
+              <a:pPr/>
+              <a:t>5</a:t>
+            </a:fld>
+            <a:endParaRPr lang="en-US" dirty="0"/>
+          </a:p>
+        </p:txBody>
+      </p:sp>
+    </p:spTree>
+    <p:extLst>
+      <p:ext uri="{BB962C8B-B14F-4D97-AF65-F5344CB8AC3E}">
+        <p14:creationId xmlns:p14="http://schemas.microsoft.com/office/powerpoint/2010/main" val="2492558590"/>
+      </p:ext>
+    </p:extLst>
+  </p:cSld>
+  <p:clrMapOvr>
+    <a:masterClrMapping/>
+  </p:clrMapOvr>
+  <p:transition spd="slow">
+    <p:wipe dir="d"/>
+  </p:transition>
+  <p:timing>
+    <p:tnLst>
+      <p:par>
+        <p:cTn id="1" dur="indefinite" restart="never" nodeType="tmRoot"/>
+      </p:par>
+    </p:tnLst>
+  </p:timing>
+</p:sld>
+</file>
+
+<file path=ppt/slides/slide6.xml><?xml version="1.0" encoding="utf-8"?>
+<p:sld xmlns:a="http://schemas.openxmlformats.org/drawingml/2006/main" xmlns:r="http://schemas.openxmlformats.org/officeDocument/2006/relationships" xmlns:p="http://schemas.openxmlformats.org/presentationml/2006/main">
+  <p:cSld>
+    <p:spTree>
+      <p:nvGrpSpPr>
+        <p:cNvPr id="1" name=""/>
+        <p:cNvGrpSpPr/>
+        <p:nvPr/>
+      </p:nvGrpSpPr>
+      <p:grpSpPr>
+        <a:xfrm>
+          <a:off x="0" y="0"/>
+          <a:ext cx="0" cy="0"/>
+          <a:chOff x="0" y="0"/>
+          <a:chExt cx="0" cy="0"/>
+        </a:xfrm>
+      </p:grpSpPr>
+      <p:sp>
+        <p:nvSpPr>
+          <p:cNvPr id="2" name="Title 1"/>
+          <p:cNvSpPr>
+            <a:spLocks noGrp="1"/>
+          </p:cNvSpPr>
+          <p:nvPr>
+            <p:ph type="ctrTitle"/>
+            <p:custDataLst>
+              <p:tags r:id="rId2"/>
+            </p:custDataLst>
+          </p:nvPr>
+        </p:nvSpPr>
+        <p:spPr/>
+        <p:txBody>
+          <a:bodyPr/>
+          <a:lstStyle/>
+          <a:p>
+            <a:r>
+              <a:rPr lang="en-US" dirty="0" smtClean="0"/>
+              <a:t>Guideline 4</a:t>
+            </a:r>
+            <a:br>
+              <a:rPr lang="en-US" dirty="0" smtClean="0"/>
+            </a:br>
+            <a:r>
+              <a:rPr lang="en-US" dirty="0" smtClean="0"/>
+              <a:t>robust</a:t>
+            </a:r>
+            <a:endParaRPr lang="en-US" dirty="0"/>
+          </a:p>
+        </p:txBody>
+      </p:sp>
+      <p:sp>
+        <p:nvSpPr>
+          <p:cNvPr id="3" name="Subtitle 2"/>
+          <p:cNvSpPr>
+            <a:spLocks noGrp="1"/>
+          </p:cNvSpPr>
+          <p:nvPr>
+            <p:ph type="subTitle" idx="1"/>
+            <p:custDataLst>
+              <p:tags r:id="rId3"/>
+            </p:custDataLst>
+          </p:nvPr>
+        </p:nvSpPr>
+        <p:spPr>
+          <a:xfrm>
+            <a:off x="4038600" y="5181600"/>
+            <a:ext cx="4772528" cy="990600"/>
+          </a:xfrm>
+        </p:spPr>
+        <p:txBody>
+          <a:bodyPr>
+            <a:normAutofit/>
+          </a:bodyPr>
+          <a:lstStyle/>
+          <a:p>
+            <a:r>
+              <a:rPr lang="en-US" sz="2400" dirty="0" smtClean="0">
+                <a:latin typeface="+mn-lt"/>
+              </a:rPr>
+              <a:t>iAccessible.org</a:t>
+            </a:r>
+          </a:p>
+        </p:txBody>
+      </p:sp>
+    </p:spTree>
+    <p:custDataLst>
+      <p:tags r:id="rId1"/>
+    </p:custDataLst>
+    <p:extLst>
+      <p:ext uri="{BB962C8B-B14F-4D97-AF65-F5344CB8AC3E}">
+        <p14:creationId xmlns:p14="http://schemas.microsoft.com/office/powerpoint/2010/main" val="3886965044"/>
+      </p:ext>
+    </p:extLst>
+  </p:cSld>
+  <p:clrMapOvr>
+    <a:masterClrMapping/>
+  </p:clrMapOvr>
+  <p:transition spd="slow">
+    <p:fade/>
+  </p:transition>
+  <p:timing>
+    <p:tnLst>
+      <p:par>
+        <p:cTn id="1" dur="indefinite" restart="never" nodeType="tmRoot"/>
+      </p:par>
+    </p:tnLst>
+  </p:timing>
+</p:sld>
+</file>
+
+<file path=ppt/slides/slide7.xml><?xml version="1.0" encoding="utf-8"?>
+<p:sld xmlns:a="http://schemas.openxmlformats.org/drawingml/2006/main" xmlns:r="http://schemas.openxmlformats.org/officeDocument/2006/relationships" xmlns:p="http://schemas.openxmlformats.org/presentationml/2006/main">
+  <p:cSld>
+    <p:spTree>
+      <p:nvGrpSpPr>
+        <p:cNvPr id="1" name=""/>
+        <p:cNvGrpSpPr/>
+        <p:nvPr/>
+      </p:nvGrpSpPr>
+      <p:grpSpPr>
+        <a:xfrm>
+          <a:off x="0" y="0"/>
+          <a:ext cx="0" cy="0"/>
+          <a:chOff x="0" y="0"/>
+          <a:chExt cx="0" cy="0"/>
+        </a:xfrm>
+      </p:grpSpPr>
+      <p:sp>
+        <p:nvSpPr>
+          <p:cNvPr id="2" name="Title 1"/>
+          <p:cNvSpPr>
+            <a:spLocks noGrp="1"/>
+          </p:cNvSpPr>
+          <p:nvPr>
+            <p:ph type="title"/>
+          </p:nvPr>
+        </p:nvSpPr>
+        <p:spPr/>
+        <p:txBody>
+          <a:bodyPr>
+            <a:normAutofit/>
           </a:bodyPr>
           <a:lstStyle/>
           <a:p>
@@ -4713,7 +6481,13 @@
               <a:rPr lang="en-US" dirty="0">
                 <a:latin typeface="Calibri" charset="0"/>
               </a:rPr>
-              <a:t>Guideline 4.1: Content can be interpreted reliably by assistive technologies</a:t>
+              <a:t>Guideline 4.1: </a:t>
+            </a:r>
+            <a:r>
+              <a:rPr lang="en-US" dirty="0" smtClean="0">
+                <a:latin typeface="Calibri" charset="0"/>
+              </a:rPr>
+              <a:t>AT Friendly content</a:t>
             </a:r>
             <a:endParaRPr lang="en-US" dirty="0"/>
           </a:p>
@@ -4740,19 +6514,43 @@
           <a:lstStyle/>
           <a:p>
             <a:r>
-              <a:rPr lang="en-US" dirty="0">
+              <a:rPr lang="en-US" dirty="0" smtClean="0">
                 <a:latin typeface="Calibri" charset="0"/>
               </a:rPr>
-              <a:t>Mark-up languages should be complete, include start and end tags and make sure the language is nested to specifications</a:t>
-            </a:r>
-          </a:p>
-          <a:p>
-            <a:r>
-              <a:rPr lang="en-US" dirty="0">
+              <a:t>Parsing – well formed markup</a:t>
+            </a:r>
+            <a:endParaRPr lang="en-US" dirty="0">
+              <a:latin typeface="Calibri" charset="0"/>
+            </a:endParaRPr>
+          </a:p>
+          <a:p>
+            <a:pPr lvl="1"/>
+            <a:r>
+              <a:rPr lang="en-US" dirty="0" smtClean="0">
                 <a:latin typeface="Calibri" charset="0"/>
               </a:rPr>
-              <a:t>When interface components are customized provide complete label and attribute elements so that assistive technologies understand the functions</a:t>
-            </a:r>
+              <a:t>What is well form?</a:t>
+            </a:r>
+          </a:p>
+          <a:p>
+            <a:pPr lvl="1"/>
+            <a:r>
+              <a:rPr lang="en-US" dirty="0" smtClean="0">
+                <a:latin typeface="Calibri" charset="0"/>
+              </a:rPr>
+              <a:t>Demo wrong html</a:t>
+            </a:r>
+          </a:p>
+          <a:p>
+            <a:r>
+              <a:rPr lang="en-US" dirty="0" smtClean="0">
+                <a:latin typeface="Calibri" charset="0"/>
+              </a:rPr>
+              <a:t>Name, Role and Value – need to be programmatically determined</a:t>
+            </a:r>
+            <a:endParaRPr lang="en-US" dirty="0">
+              <a:latin typeface="Calibri" charset="0"/>
+            </a:endParaRPr>
           </a:p>
           <a:p>
             <a:endParaRPr lang="en-US" dirty="0"/>
@@ -4777,7 +6575,7 @@
             <a:fld id="{33D6E5A2-EC83-451F-A719-9AC1370DD5CF}" type="slidenum">
               <a:rPr lang="en-US" smtClean="0"/>
               <a:pPr/>
-              <a:t>2</a:t>
+              <a:t>7</a:t>
             </a:fld>
             <a:endParaRPr lang="en-US" dirty="0"/>
           </a:p>
@@ -4806,9 +6604,317 @@
 </p:sld>
 </file>
 
+<file path=ppt/slides/slide8.xml><?xml version="1.0" encoding="utf-8"?>
+<p:sld xmlns:a="http://schemas.openxmlformats.org/drawingml/2006/main" xmlns:r="http://schemas.openxmlformats.org/officeDocument/2006/relationships" xmlns:p="http://schemas.openxmlformats.org/presentationml/2006/main">
+  <p:cSld>
+    <p:spTree>
+      <p:nvGrpSpPr>
+        <p:cNvPr id="1" name=""/>
+        <p:cNvGrpSpPr/>
+        <p:nvPr/>
+      </p:nvGrpSpPr>
+      <p:grpSpPr>
+        <a:xfrm>
+          <a:off x="0" y="0"/>
+          <a:ext cx="0" cy="0"/>
+          <a:chOff x="0" y="0"/>
+          <a:chExt cx="0" cy="0"/>
+        </a:xfrm>
+      </p:grpSpPr>
+      <p:sp>
+        <p:nvSpPr>
+          <p:cNvPr id="2" name="Title 1"/>
+          <p:cNvSpPr>
+            <a:spLocks noGrp="1"/>
+          </p:cNvSpPr>
+          <p:nvPr>
+            <p:ph type="title"/>
+          </p:nvPr>
+        </p:nvSpPr>
+        <p:spPr/>
+        <p:txBody>
+          <a:bodyPr>
+            <a:normAutofit/>
+          </a:bodyPr>
+          <a:lstStyle/>
+          <a:p>
+            <a:r>
+              <a:rPr lang="en-US" dirty="0" smtClean="0">
+                <a:latin typeface="Calibri" charset="0"/>
+              </a:rPr>
+              <a:t>Use Appropriate Markup</a:t>
+            </a:r>
+            <a:endParaRPr lang="en-US" dirty="0"/>
+          </a:p>
+        </p:txBody>
+      </p:sp>
+      <p:sp>
+        <p:nvSpPr>
+          <p:cNvPr id="3" name="Content Placeholder 2"/>
+          <p:cNvSpPr>
+            <a:spLocks noGrp="1"/>
+          </p:cNvSpPr>
+          <p:nvPr>
+            <p:ph idx="1"/>
+          </p:nvPr>
+        </p:nvSpPr>
+        <p:spPr>
+          <a:xfrm>
+            <a:off x="762000" y="1981200"/>
+            <a:ext cx="8077200" cy="4297363"/>
+          </a:xfrm>
+        </p:spPr>
+        <p:txBody>
+          <a:bodyPr/>
+          <a:lstStyle/>
+          <a:p>
+            <a:r>
+              <a:rPr lang="en-US" dirty="0" smtClean="0">
+                <a:latin typeface="Calibri" charset="0"/>
+              </a:rPr>
+              <a:t>Use Semantic markup</a:t>
+            </a:r>
+          </a:p>
+          <a:p>
+            <a:r>
+              <a:rPr lang="en-US" dirty="0" smtClean="0">
+                <a:latin typeface="Calibri" charset="0"/>
+              </a:rPr>
+              <a:t>CSS </a:t>
+            </a:r>
+            <a:r>
+              <a:rPr lang="en-US" dirty="0" err="1" smtClean="0">
+                <a:latin typeface="Calibri" charset="0"/>
+              </a:rPr>
+              <a:t>vs</a:t>
+            </a:r>
+            <a:r>
+              <a:rPr lang="en-US" dirty="0" smtClean="0">
+                <a:latin typeface="Calibri" charset="0"/>
+              </a:rPr>
+              <a:t> HTML table for layout</a:t>
+            </a:r>
+          </a:p>
+          <a:p>
+            <a:r>
+              <a:rPr lang="en-US" dirty="0" smtClean="0">
+                <a:latin typeface="Calibri" charset="0"/>
+              </a:rPr>
+              <a:t> </a:t>
+            </a:r>
+            <a:r>
+              <a:rPr lang="en-US" dirty="0" err="1" smtClean="0">
+                <a:latin typeface="Calibri" charset="0"/>
+              </a:rPr>
+              <a:t>ul</a:t>
+            </a:r>
+            <a:r>
+              <a:rPr lang="en-US" dirty="0" smtClean="0">
+                <a:latin typeface="Calibri" charset="0"/>
+              </a:rPr>
+              <a:t> and li tags for listing instead of tables</a:t>
+            </a:r>
+          </a:p>
+          <a:p>
+            <a:r>
+              <a:rPr lang="en-US" dirty="0" smtClean="0">
+                <a:latin typeface="Calibri" charset="0"/>
+              </a:rPr>
+              <a:t>Navigation – better to group as </a:t>
+            </a:r>
+            <a:r>
+              <a:rPr lang="en-US" dirty="0" err="1" smtClean="0">
+                <a:latin typeface="Calibri" charset="0"/>
+              </a:rPr>
+              <a:t>ul</a:t>
+            </a:r>
+            <a:r>
+              <a:rPr lang="en-US" dirty="0" smtClean="0">
+                <a:latin typeface="Calibri" charset="0"/>
+              </a:rPr>
+              <a:t> rather than links</a:t>
+            </a:r>
+          </a:p>
+          <a:p>
+            <a:endParaRPr lang="en-US" dirty="0" smtClean="0">
+              <a:latin typeface="Calibri" charset="0"/>
+            </a:endParaRPr>
+          </a:p>
+          <a:p>
+            <a:endParaRPr lang="en-US" dirty="0">
+              <a:latin typeface="Calibri" charset="0"/>
+            </a:endParaRPr>
+          </a:p>
+          <a:p>
+            <a:endParaRPr lang="en-US" dirty="0"/>
+          </a:p>
+        </p:txBody>
+      </p:sp>
+      <p:sp>
+        <p:nvSpPr>
+          <p:cNvPr id="4" name="Slide Number Placeholder 3"/>
+          <p:cNvSpPr>
+            <a:spLocks noGrp="1"/>
+          </p:cNvSpPr>
+          <p:nvPr>
+            <p:ph type="sldNum" sz="quarter" idx="12"/>
+          </p:nvPr>
+        </p:nvSpPr>
+        <p:spPr/>
+        <p:txBody>
+          <a:bodyPr/>
+          <a:lstStyle/>
+          <a:p>
+            <a:fld id="{33D6E5A2-EC83-451F-A719-9AC1370DD5CF}" type="slidenum">
+              <a:rPr lang="en-US" smtClean="0"/>
+              <a:pPr/>
+              <a:t>8</a:t>
+            </a:fld>
+            <a:endParaRPr lang="en-US" dirty="0"/>
+          </a:p>
+        </p:txBody>
+      </p:sp>
+    </p:spTree>
+    <p:extLst>
+      <p:ext uri="{BB962C8B-B14F-4D97-AF65-F5344CB8AC3E}">
+        <p14:creationId xmlns:p14="http://schemas.microsoft.com/office/powerpoint/2010/main" val="811094036"/>
+      </p:ext>
+    </p:extLst>
+  </p:cSld>
+  <p:clrMapOvr>
+    <a:masterClrMapping/>
+  </p:clrMapOvr>
+  <p:transition spd="slow">
+    <p:wipe dir="d"/>
+  </p:transition>
+  <p:timing>
+    <p:tnLst>
+      <p:par>
+        <p:cTn id="1" dur="indefinite" restart="never" nodeType="tmRoot"/>
+      </p:par>
+    </p:tnLst>
+  </p:timing>
+</p:sld>
+</file>
+
+<file path=ppt/slides/slide9.xml><?xml version="1.0" encoding="utf-8"?>
+<p:sld xmlns:a="http://schemas.openxmlformats.org/drawingml/2006/main" xmlns:r="http://schemas.openxmlformats.org/officeDocument/2006/relationships" xmlns:p="http://schemas.openxmlformats.org/presentationml/2006/main">
+  <p:cSld>
+    <p:spTree>
+      <p:nvGrpSpPr>
+        <p:cNvPr id="1" name=""/>
+        <p:cNvGrpSpPr/>
+        <p:nvPr/>
+      </p:nvGrpSpPr>
+      <p:grpSpPr>
+        <a:xfrm>
+          <a:off x="0" y="0"/>
+          <a:ext cx="0" cy="0"/>
+          <a:chOff x="0" y="0"/>
+          <a:chExt cx="0" cy="0"/>
+        </a:xfrm>
+      </p:grpSpPr>
+      <p:sp>
+        <p:nvSpPr>
+          <p:cNvPr id="2" name="Title 1"/>
+          <p:cNvSpPr>
+            <a:spLocks noGrp="1"/>
+          </p:cNvSpPr>
+          <p:nvPr>
+            <p:ph type="ctrTitle"/>
+            <p:custDataLst>
+              <p:tags r:id="rId2"/>
+            </p:custDataLst>
+          </p:nvPr>
+        </p:nvSpPr>
+        <p:spPr/>
+        <p:txBody>
+          <a:bodyPr/>
+          <a:lstStyle/>
+          <a:p>
+            <a:r>
+              <a:rPr lang="en-US" dirty="0" smtClean="0"/>
+              <a:t>Testing Tools</a:t>
+            </a:r>
+            <a:endParaRPr lang="en-US" dirty="0"/>
+          </a:p>
+        </p:txBody>
+      </p:sp>
+      <p:sp>
+        <p:nvSpPr>
+          <p:cNvPr id="3" name="Subtitle 2"/>
+          <p:cNvSpPr>
+            <a:spLocks noGrp="1"/>
+          </p:cNvSpPr>
+          <p:nvPr>
+            <p:ph type="subTitle" idx="1"/>
+            <p:custDataLst>
+              <p:tags r:id="rId3"/>
+            </p:custDataLst>
+          </p:nvPr>
+        </p:nvSpPr>
+        <p:spPr>
+          <a:xfrm>
+            <a:off x="4038600" y="5181600"/>
+            <a:ext cx="4772528" cy="990600"/>
+          </a:xfrm>
+        </p:spPr>
+        <p:txBody>
+          <a:bodyPr>
+            <a:normAutofit/>
+          </a:bodyPr>
+          <a:lstStyle/>
+          <a:p>
+            <a:r>
+              <a:rPr lang="en-US" sz="2400" dirty="0" smtClean="0">
+                <a:latin typeface="+mn-lt"/>
+              </a:rPr>
+              <a:t>iAccessible.org</a:t>
+            </a:r>
+          </a:p>
+        </p:txBody>
+      </p:sp>
+    </p:spTree>
+    <p:custDataLst>
+      <p:tags r:id="rId1"/>
+    </p:custDataLst>
+    <p:extLst>
+      <p:ext uri="{BB962C8B-B14F-4D97-AF65-F5344CB8AC3E}">
+        <p14:creationId xmlns:p14="http://schemas.microsoft.com/office/powerpoint/2010/main" val="2577401367"/>
+      </p:ext>
+    </p:extLst>
+  </p:cSld>
+  <p:clrMapOvr>
+    <a:masterClrMapping/>
+  </p:clrMapOvr>
+  <p:transition spd="slow">
+    <p:fade/>
+  </p:transition>
+  <p:timing>
+    <p:tnLst>
+      <p:par>
+        <p:cTn id="1" dur="indefinite" restart="never" nodeType="tmRoot"/>
+      </p:par>
+    </p:tnLst>
+  </p:timing>
+</p:sld>
+</file>
+
 <file path=ppt/tags/tag1.xml><?xml version="1.0" encoding="utf-8"?>
 <p:tagLst xmlns:a="http://schemas.openxmlformats.org/drawingml/2006/main" xmlns:r="http://schemas.openxmlformats.org/officeDocument/2006/relationships" xmlns:p="http://schemas.openxmlformats.org/presentationml/2006/main">
   <p:tag name="DVSECTIONID" val="yI2DOt6RzRcU51QxdhNewL"/>
+</p:tagLst>
+</file>
+
+<file path=ppt/tags/tag10.xml><?xml version="1.0" encoding="utf-8"?>
+<p:tagLst xmlns:a="http://schemas.openxmlformats.org/drawingml/2006/main" xmlns:r="http://schemas.openxmlformats.org/officeDocument/2006/relationships" xmlns:p="http://schemas.openxmlformats.org/presentationml/2006/main">
+  <p:tag name="DVSECTIONID" val="ezdaKHeWyBnZyZ2cDqRSoa"/>
+</p:tagLst>
+</file>
+
+<file path=ppt/tags/tag11.xml><?xml version="1.0" encoding="utf-8"?>
+<p:tagLst xmlns:a="http://schemas.openxmlformats.org/drawingml/2006/main" xmlns:r="http://schemas.openxmlformats.org/officeDocument/2006/relationships" xmlns:p="http://schemas.openxmlformats.org/presentationml/2006/main">
+  <p:tag name="DVSHAPEID" val="LRMR96J2MVd0CGe2e5htjk"/>
 </p:tagLst>
 </file>
 
@@ -4819,6 +6925,42 @@
 </file>
 
 <file path=ppt/tags/tag3.xml><?xml version="1.0" encoding="utf-8"?>
+<p:tagLst xmlns:a="http://schemas.openxmlformats.org/drawingml/2006/main" xmlns:r="http://schemas.openxmlformats.org/officeDocument/2006/relationships" xmlns:p="http://schemas.openxmlformats.org/presentationml/2006/main">
+  <p:tag name="DVSHAPEID" val="0uhWvCQomImT50qU5y4Znw"/>
+</p:tagLst>
+</file>
+
+<file path=ppt/tags/tag4.xml><?xml version="1.0" encoding="utf-8"?>
+<p:tagLst xmlns:a="http://schemas.openxmlformats.org/drawingml/2006/main" xmlns:r="http://schemas.openxmlformats.org/officeDocument/2006/relationships" xmlns:p="http://schemas.openxmlformats.org/presentationml/2006/main">
+  <p:tag name="DVSECTIONID" val="yI2DOt6RzRcU51QxdhNewL"/>
+</p:tagLst>
+</file>
+
+<file path=ppt/tags/tag5.xml><?xml version="1.0" encoding="utf-8"?>
+<p:tagLst xmlns:a="http://schemas.openxmlformats.org/drawingml/2006/main" xmlns:r="http://schemas.openxmlformats.org/officeDocument/2006/relationships" xmlns:p="http://schemas.openxmlformats.org/presentationml/2006/main">
+  <p:tag name="DVSHAPEID" val="HAGzTPKJNXuuOK4v20iPS7"/>
+</p:tagLst>
+</file>
+
+<file path=ppt/tags/tag6.xml><?xml version="1.0" encoding="utf-8"?>
+<p:tagLst xmlns:a="http://schemas.openxmlformats.org/drawingml/2006/main" xmlns:r="http://schemas.openxmlformats.org/officeDocument/2006/relationships" xmlns:p="http://schemas.openxmlformats.org/presentationml/2006/main">
+  <p:tag name="DVSHAPEID" val="0uhWvCQomImT50qU5y4Znw"/>
+</p:tagLst>
+</file>
+
+<file path=ppt/tags/tag7.xml><?xml version="1.0" encoding="utf-8"?>
+<p:tagLst xmlns:a="http://schemas.openxmlformats.org/drawingml/2006/main" xmlns:r="http://schemas.openxmlformats.org/officeDocument/2006/relationships" xmlns:p="http://schemas.openxmlformats.org/presentationml/2006/main">
+  <p:tag name="DVSECTIONID" val="yI2DOt6RzRcU51QxdhNewL"/>
+</p:tagLst>
+</file>
+
+<file path=ppt/tags/tag8.xml><?xml version="1.0" encoding="utf-8"?>
+<p:tagLst xmlns:a="http://schemas.openxmlformats.org/drawingml/2006/main" xmlns:r="http://schemas.openxmlformats.org/officeDocument/2006/relationships" xmlns:p="http://schemas.openxmlformats.org/presentationml/2006/main">
+  <p:tag name="DVSHAPEID" val="HAGzTPKJNXuuOK4v20iPS7"/>
+</p:tagLst>
+</file>
+
+<file path=ppt/tags/tag9.xml><?xml version="1.0" encoding="utf-8"?>
 <p:tagLst xmlns:a="http://schemas.openxmlformats.org/drawingml/2006/main" xmlns:r="http://schemas.openxmlformats.org/officeDocument/2006/relationships" xmlns:p="http://schemas.openxmlformats.org/presentationml/2006/main">
   <p:tag name="DVSHAPEID" val="0uhWvCQomImT50qU5y4Znw"/>
 </p:tagLst>
